--- a/paper/演示文稿1.pptx
+++ b/paper/演示文稿1.pptx
@@ -7,6 +7,9 @@
   <p:sldIdLst>
     <p:sldId id="256" r:id="rId2"/>
     <p:sldId id="257" r:id="rId3"/>
+    <p:sldId id="258" r:id="rId4"/>
+    <p:sldId id="260" r:id="rId5"/>
+    <p:sldId id="259" r:id="rId6"/>
   </p:sldIdLst>
   <p:sldSz cx="30192663" cy="6858000"/>
   <p:notesSz cx="6858000" cy="9144000"/>
@@ -113,1195 +116,6 @@
 </p:presentation>
 </file>
 
-<file path=ppt/revisionInfo.xml><?xml version="1.0" encoding="utf-8"?>
-<p1510:revInfo xmlns:a="http://schemas.openxmlformats.org/drawingml/2006/main" xmlns:r="http://schemas.openxmlformats.org/officeDocument/2006/relationships" xmlns:p1510="http://schemas.microsoft.com/office/powerpoint/2015/10/main">
-  <p1510:revLst>
-    <p1510:client id="{A8090E92-0C9B-4AA4-8583-C042A5BF1097}" v="44" dt="2021-11-04T02:46:41.627"/>
-  </p1510:revLst>
-</p1510:revInfo>
-</file>
-
-<file path=ppt/changesInfos/changesInfo1.xml><?xml version="1.0" encoding="utf-8"?>
-<pc:chgInfo xmlns:a="http://schemas.openxmlformats.org/drawingml/2006/main" xmlns:r="http://schemas.openxmlformats.org/officeDocument/2006/relationships" xmlns:ac="http://schemas.microsoft.com/office/drawing/2013/main/command" xmlns:pc="http://schemas.microsoft.com/office/powerpoint/2013/main/command">
-  <pc:docChgLst>
-    <pc:chgData name="晓波 郭" userId="b52b058d9a247165" providerId="LiveId" clId="{A8090E92-0C9B-4AA4-8583-C042A5BF1097}"/>
-    <pc:docChg chg="undo custSel addSld delSld modSld modMainMaster">
-      <pc:chgData name="晓波 郭" userId="b52b058d9a247165" providerId="LiveId" clId="{A8090E92-0C9B-4AA4-8583-C042A5BF1097}" dt="2021-11-04T02:47:06.887" v="955" actId="1076"/>
-      <pc:docMkLst>
-        <pc:docMk/>
-      </pc:docMkLst>
-      <pc:sldChg chg="addSp delSp modSp mod">
-        <pc:chgData name="晓波 郭" userId="b52b058d9a247165" providerId="LiveId" clId="{A8090E92-0C9B-4AA4-8583-C042A5BF1097}" dt="2021-11-04T02:47:06.887" v="955" actId="1076"/>
-        <pc:sldMkLst>
-          <pc:docMk/>
-          <pc:sldMk cId="4218713956" sldId="256"/>
-        </pc:sldMkLst>
-        <pc:spChg chg="mod">
-          <ac:chgData name="晓波 郭" userId="b52b058d9a247165" providerId="LiveId" clId="{A8090E92-0C9B-4AA4-8583-C042A5BF1097}" dt="2021-11-04T02:46:38.458" v="939" actId="1076"/>
-          <ac:spMkLst>
-            <pc:docMk/>
-            <pc:sldMk cId="4218713956" sldId="256"/>
-            <ac:spMk id="4" creationId="{5B294668-4738-4B4B-84B3-B9AED1A8B0C4}"/>
-          </ac:spMkLst>
-        </pc:spChg>
-        <pc:spChg chg="mod">
-          <ac:chgData name="晓波 郭" userId="b52b058d9a247165" providerId="LiveId" clId="{A8090E92-0C9B-4AA4-8583-C042A5BF1097}" dt="2021-11-03T21:20:26.019" v="143" actId="255"/>
-          <ac:spMkLst>
-            <pc:docMk/>
-            <pc:sldMk cId="4218713956" sldId="256"/>
-            <ac:spMk id="7" creationId="{DAA352CD-439F-4E04-A559-6FAE25CCCAB9}"/>
-          </ac:spMkLst>
-        </pc:spChg>
-        <pc:spChg chg="mod">
-          <ac:chgData name="晓波 郭" userId="b52b058d9a247165" providerId="LiveId" clId="{A8090E92-0C9B-4AA4-8583-C042A5BF1097}" dt="2021-11-03T21:20:26.019" v="143" actId="255"/>
-          <ac:spMkLst>
-            <pc:docMk/>
-            <pc:sldMk cId="4218713956" sldId="256"/>
-            <ac:spMk id="12" creationId="{265966CA-A0F8-47CE-9741-5849CD4C4F7F}"/>
-          </ac:spMkLst>
-        </pc:spChg>
-        <pc:spChg chg="mod">
-          <ac:chgData name="晓波 郭" userId="b52b058d9a247165" providerId="LiveId" clId="{A8090E92-0C9B-4AA4-8583-C042A5BF1097}" dt="2021-11-04T02:36:57.464" v="926" actId="1582"/>
-          <ac:spMkLst>
-            <pc:docMk/>
-            <pc:sldMk cId="4218713956" sldId="256"/>
-            <ac:spMk id="17" creationId="{4A647EAB-AE11-46EA-BD6A-98CAE2DCE957}"/>
-          </ac:spMkLst>
-        </pc:spChg>
-        <pc:spChg chg="mod">
-          <ac:chgData name="晓波 郭" userId="b52b058d9a247165" providerId="LiveId" clId="{A8090E92-0C9B-4AA4-8583-C042A5BF1097}" dt="2021-11-03T21:20:26.019" v="143" actId="255"/>
-          <ac:spMkLst>
-            <pc:docMk/>
-            <pc:sldMk cId="4218713956" sldId="256"/>
-            <ac:spMk id="23" creationId="{8ED600F6-47EE-4072-A8C8-17BA1059C09B}"/>
-          </ac:spMkLst>
-        </pc:spChg>
-        <pc:spChg chg="mod">
-          <ac:chgData name="晓波 郭" userId="b52b058d9a247165" providerId="LiveId" clId="{A8090E92-0C9B-4AA4-8583-C042A5BF1097}" dt="2021-11-04T02:34:34.838" v="913" actId="1076"/>
-          <ac:spMkLst>
-            <pc:docMk/>
-            <pc:sldMk cId="4218713956" sldId="256"/>
-            <ac:spMk id="25" creationId="{FA055C3E-13B3-41E1-B11D-D4DC9BDBBEA6}"/>
-          </ac:spMkLst>
-        </pc:spChg>
-        <pc:spChg chg="mod ord">
-          <ac:chgData name="晓波 郭" userId="b52b058d9a247165" providerId="LiveId" clId="{A8090E92-0C9B-4AA4-8583-C042A5BF1097}" dt="2021-11-04T02:36:14.228" v="923" actId="167"/>
-          <ac:spMkLst>
-            <pc:docMk/>
-            <pc:sldMk cId="4218713956" sldId="256"/>
-            <ac:spMk id="31" creationId="{ED84FA07-1065-4105-8B46-362C216D87CA}"/>
-          </ac:spMkLst>
-        </pc:spChg>
-        <pc:spChg chg="mod">
-          <ac:chgData name="晓波 郭" userId="b52b058d9a247165" providerId="LiveId" clId="{A8090E92-0C9B-4AA4-8583-C042A5BF1097}" dt="2021-11-04T02:34:15.735" v="910" actId="1076"/>
-          <ac:spMkLst>
-            <pc:docMk/>
-            <pc:sldMk cId="4218713956" sldId="256"/>
-            <ac:spMk id="35" creationId="{06A62405-8F4E-409C-BA79-7BCC9F48E942}"/>
-          </ac:spMkLst>
-        </pc:spChg>
-        <pc:spChg chg="mod">
-          <ac:chgData name="晓波 郭" userId="b52b058d9a247165" providerId="LiveId" clId="{A8090E92-0C9B-4AA4-8583-C042A5BF1097}" dt="2021-11-03T21:24:39.716" v="146" actId="1076"/>
-          <ac:spMkLst>
-            <pc:docMk/>
-            <pc:sldMk cId="4218713956" sldId="256"/>
-            <ac:spMk id="41" creationId="{C7566ACE-93A7-41FF-ABC7-CF5969CCB7D5}"/>
-          </ac:spMkLst>
-        </pc:spChg>
-        <pc:spChg chg="mod">
-          <ac:chgData name="晓波 郭" userId="b52b058d9a247165" providerId="LiveId" clId="{A8090E92-0C9B-4AA4-8583-C042A5BF1097}" dt="2021-11-03T21:24:44.178" v="147" actId="1076"/>
-          <ac:spMkLst>
-            <pc:docMk/>
-            <pc:sldMk cId="4218713956" sldId="256"/>
-            <ac:spMk id="50" creationId="{1DFBC5E2-0E8E-42EA-890F-FF829FA42CFF}"/>
-          </ac:spMkLst>
-        </pc:spChg>
-        <pc:spChg chg="mod">
-          <ac:chgData name="晓波 郭" userId="b52b058d9a247165" providerId="LiveId" clId="{A8090E92-0C9B-4AA4-8583-C042A5BF1097}" dt="2021-11-04T02:31:56.698" v="892" actId="14100"/>
-          <ac:spMkLst>
-            <pc:docMk/>
-            <pc:sldMk cId="4218713956" sldId="256"/>
-            <ac:spMk id="60" creationId="{9EFA2788-2411-49A2-ADA1-2D03444DA2D2}"/>
-          </ac:spMkLst>
-        </pc:spChg>
-        <pc:spChg chg="mod">
-          <ac:chgData name="晓波 郭" userId="b52b058d9a247165" providerId="LiveId" clId="{A8090E92-0C9B-4AA4-8583-C042A5BF1097}" dt="2021-11-04T02:32:43.320" v="898" actId="1076"/>
-          <ac:spMkLst>
-            <pc:docMk/>
-            <pc:sldMk cId="4218713956" sldId="256"/>
-            <ac:spMk id="75" creationId="{EC99CF5B-31CA-4F25-A02F-A25D40053D74}"/>
-          </ac:spMkLst>
-        </pc:spChg>
-        <pc:spChg chg="mod">
-          <ac:chgData name="晓波 郭" userId="b52b058d9a247165" providerId="LiveId" clId="{A8090E92-0C9B-4AA4-8583-C042A5BF1097}" dt="2021-11-04T02:33:12.623" v="901" actId="1076"/>
-          <ac:spMkLst>
-            <pc:docMk/>
-            <pc:sldMk cId="4218713956" sldId="256"/>
-            <ac:spMk id="76" creationId="{540D5080-F250-45B9-93C0-997E9F196084}"/>
-          </ac:spMkLst>
-        </pc:spChg>
-        <pc:spChg chg="mod">
-          <ac:chgData name="晓波 郭" userId="b52b058d9a247165" providerId="LiveId" clId="{A8090E92-0C9B-4AA4-8583-C042A5BF1097}" dt="2021-11-03T21:20:26.019" v="143" actId="255"/>
-          <ac:spMkLst>
-            <pc:docMk/>
-            <pc:sldMk cId="4218713956" sldId="256"/>
-            <ac:spMk id="77" creationId="{A283E5BB-E9AD-4546-A6CF-1C0138C9955C}"/>
-          </ac:spMkLst>
-        </pc:spChg>
-        <pc:spChg chg="mod">
-          <ac:chgData name="晓波 郭" userId="b52b058d9a247165" providerId="LiveId" clId="{A8090E92-0C9B-4AA4-8583-C042A5BF1097}" dt="2021-11-04T02:33:19.665" v="902" actId="14100"/>
-          <ac:spMkLst>
-            <pc:docMk/>
-            <pc:sldMk cId="4218713956" sldId="256"/>
-            <ac:spMk id="82" creationId="{3106D6D4-F860-4807-B102-06D83A0346D0}"/>
-          </ac:spMkLst>
-        </pc:spChg>
-        <pc:spChg chg="mod">
-          <ac:chgData name="晓波 郭" userId="b52b058d9a247165" providerId="LiveId" clId="{A8090E92-0C9B-4AA4-8583-C042A5BF1097}" dt="2021-11-03T21:20:26.019" v="143" actId="255"/>
-          <ac:spMkLst>
-            <pc:docMk/>
-            <pc:sldMk cId="4218713956" sldId="256"/>
-            <ac:spMk id="83" creationId="{576943DE-39F2-46F3-A00E-739E9490FBA1}"/>
-          </ac:spMkLst>
-        </pc:spChg>
-        <pc:spChg chg="mod">
-          <ac:chgData name="晓波 郭" userId="b52b058d9a247165" providerId="LiveId" clId="{A8090E92-0C9B-4AA4-8583-C042A5BF1097}" dt="2021-11-03T21:20:26.019" v="143" actId="255"/>
-          <ac:spMkLst>
-            <pc:docMk/>
-            <pc:sldMk cId="4218713956" sldId="256"/>
-            <ac:spMk id="84" creationId="{F74F065E-1778-406A-84E0-D8FF8C7594DD}"/>
-          </ac:spMkLst>
-        </pc:spChg>
-        <pc:spChg chg="mod">
-          <ac:chgData name="晓波 郭" userId="b52b058d9a247165" providerId="LiveId" clId="{A8090E92-0C9B-4AA4-8583-C042A5BF1097}" dt="2021-11-04T02:35:35.806" v="916" actId="1076"/>
-          <ac:spMkLst>
-            <pc:docMk/>
-            <pc:sldMk cId="4218713956" sldId="256"/>
-            <ac:spMk id="87" creationId="{A24ABC1C-D03A-431D-80A5-06CBCDE99F1B}"/>
-          </ac:spMkLst>
-        </pc:spChg>
-        <pc:spChg chg="del mod">
-          <ac:chgData name="晓波 郭" userId="b52b058d9a247165" providerId="LiveId" clId="{A8090E92-0C9B-4AA4-8583-C042A5BF1097}" dt="2021-11-04T02:46:51.767" v="952" actId="478"/>
-          <ac:spMkLst>
-            <pc:docMk/>
-            <pc:sldMk cId="4218713956" sldId="256"/>
-            <ac:spMk id="88" creationId="{32DEFB0B-3B12-41D9-A8B7-3F9D0F06CA27}"/>
-          </ac:spMkLst>
-        </pc:spChg>
-        <pc:spChg chg="mod">
-          <ac:chgData name="晓波 郭" userId="b52b058d9a247165" providerId="LiveId" clId="{A8090E92-0C9B-4AA4-8583-C042A5BF1097}" dt="2021-11-03T21:20:26.019" v="143" actId="255"/>
-          <ac:spMkLst>
-            <pc:docMk/>
-            <pc:sldMk cId="4218713956" sldId="256"/>
-            <ac:spMk id="90" creationId="{7F6477B1-0F70-480C-BD3B-0C1528253BED}"/>
-          </ac:spMkLst>
-        </pc:spChg>
-        <pc:spChg chg="mod">
-          <ac:chgData name="晓波 郭" userId="b52b058d9a247165" providerId="LiveId" clId="{A8090E92-0C9B-4AA4-8583-C042A5BF1097}" dt="2021-11-04T02:34:22.474" v="911" actId="1076"/>
-          <ac:spMkLst>
-            <pc:docMk/>
-            <pc:sldMk cId="4218713956" sldId="256"/>
-            <ac:spMk id="91" creationId="{0961441B-82CF-48D0-892A-075179806588}"/>
-          </ac:spMkLst>
-        </pc:spChg>
-        <pc:spChg chg="mod ord">
-          <ac:chgData name="晓波 郭" userId="b52b058d9a247165" providerId="LiveId" clId="{A8090E92-0C9B-4AA4-8583-C042A5BF1097}" dt="2021-11-04T02:36:09.956" v="922" actId="167"/>
-          <ac:spMkLst>
-            <pc:docMk/>
-            <pc:sldMk cId="4218713956" sldId="256"/>
-            <ac:spMk id="96" creationId="{616F8BD9-1917-47D4-BEEF-4B59FFF42108}"/>
-          </ac:spMkLst>
-        </pc:spChg>
-        <pc:spChg chg="mod">
-          <ac:chgData name="晓波 郭" userId="b52b058d9a247165" providerId="LiveId" clId="{A8090E92-0C9B-4AA4-8583-C042A5BF1097}" dt="2021-11-03T21:20:26.019" v="143" actId="255"/>
-          <ac:spMkLst>
-            <pc:docMk/>
-            <pc:sldMk cId="4218713956" sldId="256"/>
-            <ac:spMk id="102" creationId="{E6E9D757-FACE-47FD-9F83-7EE7FDF63D06}"/>
-          </ac:spMkLst>
-        </pc:spChg>
-        <pc:spChg chg="mod">
-          <ac:chgData name="晓波 郭" userId="b52b058d9a247165" providerId="LiveId" clId="{A8090E92-0C9B-4AA4-8583-C042A5BF1097}" dt="2021-11-04T02:33:38.252" v="904" actId="1076"/>
-          <ac:spMkLst>
-            <pc:docMk/>
-            <pc:sldMk cId="4218713956" sldId="256"/>
-            <ac:spMk id="103" creationId="{4E26B7F7-FADD-402C-AF30-431518924114}"/>
-          </ac:spMkLst>
-        </pc:spChg>
-        <pc:spChg chg="mod">
-          <ac:chgData name="晓波 郭" userId="b52b058d9a247165" providerId="LiveId" clId="{A8090E92-0C9B-4AA4-8583-C042A5BF1097}" dt="2021-11-03T21:20:26.019" v="143" actId="255"/>
-          <ac:spMkLst>
-            <pc:docMk/>
-            <pc:sldMk cId="4218713956" sldId="256"/>
-            <ac:spMk id="109" creationId="{23300BA4-2028-4B5E-A462-39CA3147A9C4}"/>
-          </ac:spMkLst>
-        </pc:spChg>
-        <pc:spChg chg="mod">
-          <ac:chgData name="晓波 郭" userId="b52b058d9a247165" providerId="LiveId" clId="{A8090E92-0C9B-4AA4-8583-C042A5BF1097}" dt="2021-11-03T21:20:26.019" v="143" actId="255"/>
-          <ac:spMkLst>
-            <pc:docMk/>
-            <pc:sldMk cId="4218713956" sldId="256"/>
-            <ac:spMk id="110" creationId="{9BF6E55A-4559-4642-98FC-E0D703F5426E}"/>
-          </ac:spMkLst>
-        </pc:spChg>
-        <pc:spChg chg="mod">
-          <ac:chgData name="晓波 郭" userId="b52b058d9a247165" providerId="LiveId" clId="{A8090E92-0C9B-4AA4-8583-C042A5BF1097}" dt="2021-11-04T02:36:57.464" v="926" actId="1582"/>
-          <ac:spMkLst>
-            <pc:docMk/>
-            <pc:sldMk cId="4218713956" sldId="256"/>
-            <ac:spMk id="116" creationId="{8F2836FA-1F44-4B7B-9ABD-5FC85F9F4AAE}"/>
-          </ac:spMkLst>
-        </pc:spChg>
-        <pc:spChg chg="mod">
-          <ac:chgData name="晓波 郭" userId="b52b058d9a247165" providerId="LiveId" clId="{A8090E92-0C9B-4AA4-8583-C042A5BF1097}" dt="2021-11-03T21:20:26.019" v="143" actId="255"/>
-          <ac:spMkLst>
-            <pc:docMk/>
-            <pc:sldMk cId="4218713956" sldId="256"/>
-            <ac:spMk id="118" creationId="{61458D2A-7D59-40EB-9BD8-28A3AF90FE7B}"/>
-          </ac:spMkLst>
-        </pc:spChg>
-        <pc:spChg chg="mod">
-          <ac:chgData name="晓波 郭" userId="b52b058d9a247165" providerId="LiveId" clId="{A8090E92-0C9B-4AA4-8583-C042A5BF1097}" dt="2021-11-04T02:33:53.177" v="907" actId="1076"/>
-          <ac:spMkLst>
-            <pc:docMk/>
-            <pc:sldMk cId="4218713956" sldId="256"/>
-            <ac:spMk id="121" creationId="{0AD5DF4A-20FA-40C6-83A5-54C3D8FA312E}"/>
-          </ac:spMkLst>
-        </pc:spChg>
-        <pc:spChg chg="mod">
-          <ac:chgData name="晓波 郭" userId="b52b058d9a247165" providerId="LiveId" clId="{A8090E92-0C9B-4AA4-8583-C042A5BF1097}" dt="2021-11-04T02:37:51.963" v="935" actId="1076"/>
-          <ac:spMkLst>
-            <pc:docMk/>
-            <pc:sldMk cId="4218713956" sldId="256"/>
-            <ac:spMk id="122" creationId="{007B34A6-4C06-4059-9B54-AEE209692270}"/>
-          </ac:spMkLst>
-        </pc:spChg>
-        <pc:spChg chg="add mod">
-          <ac:chgData name="晓波 郭" userId="b52b058d9a247165" providerId="LiveId" clId="{A8090E92-0C9B-4AA4-8583-C042A5BF1097}" dt="2021-11-04T02:47:06.887" v="955" actId="1076"/>
-          <ac:spMkLst>
-            <pc:docMk/>
-            <pc:sldMk cId="4218713956" sldId="256"/>
-            <ac:spMk id="158" creationId="{6FA43F2C-FAE4-4332-AD07-570B8EB4C3EC}"/>
-          </ac:spMkLst>
-        </pc:spChg>
-        <pc:cxnChg chg="mod">
-          <ac:chgData name="晓波 郭" userId="b52b058d9a247165" providerId="LiveId" clId="{A8090E92-0C9B-4AA4-8583-C042A5BF1097}" dt="2021-11-04T02:46:38.458" v="939" actId="1076"/>
-          <ac:cxnSpMkLst>
-            <pc:docMk/>
-            <pc:sldMk cId="4218713956" sldId="256"/>
-            <ac:cxnSpMk id="6" creationId="{C6809FB0-DF25-4CF3-BD0E-4691D807B168}"/>
-          </ac:cxnSpMkLst>
-        </pc:cxnChg>
-        <pc:cxnChg chg="mod">
-          <ac:chgData name="晓波 郭" userId="b52b058d9a247165" providerId="LiveId" clId="{A8090E92-0C9B-4AA4-8583-C042A5BF1097}" dt="2021-11-04T02:36:57.464" v="926" actId="1582"/>
-          <ac:cxnSpMkLst>
-            <pc:docMk/>
-            <pc:sldMk cId="4218713956" sldId="256"/>
-            <ac:cxnSpMk id="9" creationId="{BC9B4C5A-C1AE-423F-AB9D-44534C3686E3}"/>
-          </ac:cxnSpMkLst>
-        </pc:cxnChg>
-        <pc:cxnChg chg="mod">
-          <ac:chgData name="晓波 郭" userId="b52b058d9a247165" providerId="LiveId" clId="{A8090E92-0C9B-4AA4-8583-C042A5BF1097}" dt="2021-11-04T02:36:57.464" v="926" actId="1582"/>
-          <ac:cxnSpMkLst>
-            <pc:docMk/>
-            <pc:sldMk cId="4218713956" sldId="256"/>
-            <ac:cxnSpMk id="28" creationId="{A223468B-10EC-42FD-83A7-839F2F94E0DA}"/>
-          </ac:cxnSpMkLst>
-        </pc:cxnChg>
-        <pc:cxnChg chg="mod">
-          <ac:chgData name="晓波 郭" userId="b52b058d9a247165" providerId="LiveId" clId="{A8090E92-0C9B-4AA4-8583-C042A5BF1097}" dt="2021-11-04T02:36:57.464" v="926" actId="1582"/>
-          <ac:cxnSpMkLst>
-            <pc:docMk/>
-            <pc:sldMk cId="4218713956" sldId="256"/>
-            <ac:cxnSpMk id="30" creationId="{8EDDC904-E21E-4B41-A467-4CBEF906DB0D}"/>
-          </ac:cxnSpMkLst>
-        </pc:cxnChg>
-        <pc:cxnChg chg="mod">
-          <ac:chgData name="晓波 郭" userId="b52b058d9a247165" providerId="LiveId" clId="{A8090E92-0C9B-4AA4-8583-C042A5BF1097}" dt="2021-11-04T02:47:06.887" v="955" actId="1076"/>
-          <ac:cxnSpMkLst>
-            <pc:docMk/>
-            <pc:sldMk cId="4218713956" sldId="256"/>
-            <ac:cxnSpMk id="93" creationId="{EC412F55-E68A-4465-A239-AB3405E8B92A}"/>
-          </ac:cxnSpMkLst>
-        </pc:cxnChg>
-        <pc:cxnChg chg="mod">
-          <ac:chgData name="晓波 郭" userId="b52b058d9a247165" providerId="LiveId" clId="{A8090E92-0C9B-4AA4-8583-C042A5BF1097}" dt="2021-11-04T02:36:57.464" v="926" actId="1582"/>
-          <ac:cxnSpMkLst>
-            <pc:docMk/>
-            <pc:sldMk cId="4218713956" sldId="256"/>
-            <ac:cxnSpMk id="95" creationId="{2649B560-BBBF-43DE-A0CA-85252451DAD4}"/>
-          </ac:cxnSpMkLst>
-        </pc:cxnChg>
-        <pc:cxnChg chg="mod">
-          <ac:chgData name="晓波 郭" userId="b52b058d9a247165" providerId="LiveId" clId="{A8090E92-0C9B-4AA4-8583-C042A5BF1097}" dt="2021-11-04T02:36:57.464" v="926" actId="1582"/>
-          <ac:cxnSpMkLst>
-            <pc:docMk/>
-            <pc:sldMk cId="4218713956" sldId="256"/>
-            <ac:cxnSpMk id="100" creationId="{8E16C906-B800-4B19-9C25-F3870EBE9E1C}"/>
-          </ac:cxnSpMkLst>
-        </pc:cxnChg>
-        <pc:cxnChg chg="mod">
-          <ac:chgData name="晓波 郭" userId="b52b058d9a247165" providerId="LiveId" clId="{A8090E92-0C9B-4AA4-8583-C042A5BF1097}" dt="2021-11-04T02:37:18.826" v="931" actId="14100"/>
-          <ac:cxnSpMkLst>
-            <pc:docMk/>
-            <pc:sldMk cId="4218713956" sldId="256"/>
-            <ac:cxnSpMk id="101" creationId="{7A110CDA-879F-4203-8F10-F914E9E5654D}"/>
-          </ac:cxnSpMkLst>
-        </pc:cxnChg>
-        <pc:cxnChg chg="mod">
-          <ac:chgData name="晓波 郭" userId="b52b058d9a247165" providerId="LiveId" clId="{A8090E92-0C9B-4AA4-8583-C042A5BF1097}" dt="2021-11-04T02:37:37.635" v="934" actId="14100"/>
-          <ac:cxnSpMkLst>
-            <pc:docMk/>
-            <pc:sldMk cId="4218713956" sldId="256"/>
-            <ac:cxnSpMk id="104" creationId="{DCBA80FE-89A2-442E-81C7-51606674F7FB}"/>
-          </ac:cxnSpMkLst>
-        </pc:cxnChg>
-      </pc:sldChg>
-      <pc:sldChg chg="addSp delSp modSp add mod setBg">
-        <pc:chgData name="晓波 郭" userId="b52b058d9a247165" providerId="LiveId" clId="{A8090E92-0C9B-4AA4-8583-C042A5BF1097}" dt="2021-11-04T02:31:41.603" v="889" actId="1076"/>
-        <pc:sldMkLst>
-          <pc:docMk/>
-          <pc:sldMk cId="856524676" sldId="257"/>
-        </pc:sldMkLst>
-        <pc:spChg chg="add del mod">
-          <ac:chgData name="晓波 郭" userId="b52b058d9a247165" providerId="LiveId" clId="{A8090E92-0C9B-4AA4-8583-C042A5BF1097}" dt="2021-11-04T02:30:26.609" v="881" actId="1076"/>
-          <ac:spMkLst>
-            <pc:docMk/>
-            <pc:sldMk cId="856524676" sldId="257"/>
-            <ac:spMk id="2" creationId="{D5554042-97EF-4EB1-B3F1-D78A75276F04}"/>
-          </ac:spMkLst>
-        </pc:spChg>
-        <pc:spChg chg="add del mod">
-          <ac:chgData name="晓波 郭" userId="b52b058d9a247165" providerId="LiveId" clId="{A8090E92-0C9B-4AA4-8583-C042A5BF1097}" dt="2021-11-04T01:44:28.482" v="195"/>
-          <ac:spMkLst>
-            <pc:docMk/>
-            <pc:sldMk cId="856524676" sldId="257"/>
-            <ac:spMk id="3" creationId="{B88D0B8A-CA86-495F-804F-F8B4B9D74E01}"/>
-          </ac:spMkLst>
-        </pc:spChg>
-        <pc:spChg chg="del">
-          <ac:chgData name="晓波 郭" userId="b52b058d9a247165" providerId="LiveId" clId="{A8090E92-0C9B-4AA4-8583-C042A5BF1097}" dt="2021-11-04T01:43:23.762" v="159" actId="478"/>
-          <ac:spMkLst>
-            <pc:docMk/>
-            <pc:sldMk cId="856524676" sldId="257"/>
-            <ac:spMk id="4" creationId="{5B294668-4738-4B4B-84B3-B9AED1A8B0C4}"/>
-          </ac:spMkLst>
-        </pc:spChg>
-        <pc:spChg chg="add mod">
-          <ac:chgData name="晓波 郭" userId="b52b058d9a247165" providerId="LiveId" clId="{A8090E92-0C9B-4AA4-8583-C042A5BF1097}" dt="2021-11-04T02:31:24.303" v="888" actId="20577"/>
-          <ac:spMkLst>
-            <pc:docMk/>
-            <pc:sldMk cId="856524676" sldId="257"/>
-            <ac:spMk id="5" creationId="{ACFF318C-113F-4236-9B65-52A73FCBAD7C}"/>
-          </ac:spMkLst>
-        </pc:spChg>
-        <pc:spChg chg="del">
-          <ac:chgData name="晓波 郭" userId="b52b058d9a247165" providerId="LiveId" clId="{A8090E92-0C9B-4AA4-8583-C042A5BF1097}" dt="2021-11-04T01:43:23.762" v="159" actId="478"/>
-          <ac:spMkLst>
-            <pc:docMk/>
-            <pc:sldMk cId="856524676" sldId="257"/>
-            <ac:spMk id="7" creationId="{DAA352CD-439F-4E04-A559-6FAE25CCCAB9}"/>
-          </ac:spMkLst>
-        </pc:spChg>
-        <pc:spChg chg="del">
-          <ac:chgData name="晓波 郭" userId="b52b058d9a247165" providerId="LiveId" clId="{A8090E92-0C9B-4AA4-8583-C042A5BF1097}" dt="2021-11-04T01:43:23.762" v="159" actId="478"/>
-          <ac:spMkLst>
-            <pc:docMk/>
-            <pc:sldMk cId="856524676" sldId="257"/>
-            <ac:spMk id="12" creationId="{265966CA-A0F8-47CE-9741-5849CD4C4F7F}"/>
-          </ac:spMkLst>
-        </pc:spChg>
-        <pc:spChg chg="del">
-          <ac:chgData name="晓波 郭" userId="b52b058d9a247165" providerId="LiveId" clId="{A8090E92-0C9B-4AA4-8583-C042A5BF1097}" dt="2021-11-04T01:43:23.762" v="159" actId="478"/>
-          <ac:spMkLst>
-            <pc:docMk/>
-            <pc:sldMk cId="856524676" sldId="257"/>
-            <ac:spMk id="17" creationId="{4A647EAB-AE11-46EA-BD6A-98CAE2DCE957}"/>
-          </ac:spMkLst>
-        </pc:spChg>
-        <pc:spChg chg="del">
-          <ac:chgData name="晓波 郭" userId="b52b058d9a247165" providerId="LiveId" clId="{A8090E92-0C9B-4AA4-8583-C042A5BF1097}" dt="2021-11-04T01:43:23.762" v="159" actId="478"/>
-          <ac:spMkLst>
-            <pc:docMk/>
-            <pc:sldMk cId="856524676" sldId="257"/>
-            <ac:spMk id="23" creationId="{8ED600F6-47EE-4072-A8C8-17BA1059C09B}"/>
-          </ac:spMkLst>
-        </pc:spChg>
-        <pc:spChg chg="del">
-          <ac:chgData name="晓波 郭" userId="b52b058d9a247165" providerId="LiveId" clId="{A8090E92-0C9B-4AA4-8583-C042A5BF1097}" dt="2021-11-04T01:43:23.762" v="159" actId="478"/>
-          <ac:spMkLst>
-            <pc:docMk/>
-            <pc:sldMk cId="856524676" sldId="257"/>
-            <ac:spMk id="25" creationId="{FA055C3E-13B3-41E1-B11D-D4DC9BDBBEA6}"/>
-          </ac:spMkLst>
-        </pc:spChg>
-        <pc:spChg chg="del">
-          <ac:chgData name="晓波 郭" userId="b52b058d9a247165" providerId="LiveId" clId="{A8090E92-0C9B-4AA4-8583-C042A5BF1097}" dt="2021-11-04T01:43:23.762" v="159" actId="478"/>
-          <ac:spMkLst>
-            <pc:docMk/>
-            <pc:sldMk cId="856524676" sldId="257"/>
-            <ac:spMk id="31" creationId="{ED84FA07-1065-4105-8B46-362C216D87CA}"/>
-          </ac:spMkLst>
-        </pc:spChg>
-        <pc:spChg chg="del">
-          <ac:chgData name="晓波 郭" userId="b52b058d9a247165" providerId="LiveId" clId="{A8090E92-0C9B-4AA4-8583-C042A5BF1097}" dt="2021-11-04T01:43:23.762" v="159" actId="478"/>
-          <ac:spMkLst>
-            <pc:docMk/>
-            <pc:sldMk cId="856524676" sldId="257"/>
-            <ac:spMk id="35" creationId="{06A62405-8F4E-409C-BA79-7BCC9F48E942}"/>
-          </ac:spMkLst>
-        </pc:spChg>
-        <pc:spChg chg="del">
-          <ac:chgData name="晓波 郭" userId="b52b058d9a247165" providerId="LiveId" clId="{A8090E92-0C9B-4AA4-8583-C042A5BF1097}" dt="2021-11-04T01:43:23.762" v="159" actId="478"/>
-          <ac:spMkLst>
-            <pc:docMk/>
-            <pc:sldMk cId="856524676" sldId="257"/>
-            <ac:spMk id="41" creationId="{C7566ACE-93A7-41FF-ABC7-CF5969CCB7D5}"/>
-          </ac:spMkLst>
-        </pc:spChg>
-        <pc:spChg chg="add mod">
-          <ac:chgData name="晓波 郭" userId="b52b058d9a247165" providerId="LiveId" clId="{A8090E92-0C9B-4AA4-8583-C042A5BF1097}" dt="2021-11-04T02:31:21.191" v="887" actId="20577"/>
-          <ac:spMkLst>
-            <pc:docMk/>
-            <pc:sldMk cId="856524676" sldId="257"/>
-            <ac:spMk id="44" creationId="{036A1EC0-6EC2-4015-A5C0-B610244D3415}"/>
-          </ac:spMkLst>
-        </pc:spChg>
-        <pc:spChg chg="add mod">
-          <ac:chgData name="晓波 郭" userId="b52b058d9a247165" providerId="LiveId" clId="{A8090E92-0C9B-4AA4-8583-C042A5BF1097}" dt="2021-11-04T02:27:24.936" v="856" actId="207"/>
-          <ac:spMkLst>
-            <pc:docMk/>
-            <pc:sldMk cId="856524676" sldId="257"/>
-            <ac:spMk id="45" creationId="{873830C5-9390-439B-988F-867418881F51}"/>
-          </ac:spMkLst>
-        </pc:spChg>
-        <pc:spChg chg="add mod">
-          <ac:chgData name="晓波 郭" userId="b52b058d9a247165" providerId="LiveId" clId="{A8090E92-0C9B-4AA4-8583-C042A5BF1097}" dt="2021-11-04T02:11:23.629" v="757" actId="1076"/>
-          <ac:spMkLst>
-            <pc:docMk/>
-            <pc:sldMk cId="856524676" sldId="257"/>
-            <ac:spMk id="46" creationId="{8B374EBD-8AF8-457C-A7DA-CE302E6D65EF}"/>
-          </ac:spMkLst>
-        </pc:spChg>
-        <pc:spChg chg="add mod">
-          <ac:chgData name="晓波 郭" userId="b52b058d9a247165" providerId="LiveId" clId="{A8090E92-0C9B-4AA4-8583-C042A5BF1097}" dt="2021-11-04T02:11:21.194" v="756" actId="1076"/>
-          <ac:spMkLst>
-            <pc:docMk/>
-            <pc:sldMk cId="856524676" sldId="257"/>
-            <ac:spMk id="47" creationId="{EB11A04A-B529-4977-BA28-0F17BDDC32C5}"/>
-          </ac:spMkLst>
-        </pc:spChg>
-        <pc:spChg chg="del">
-          <ac:chgData name="晓波 郭" userId="b52b058d9a247165" providerId="LiveId" clId="{A8090E92-0C9B-4AA4-8583-C042A5BF1097}" dt="2021-11-04T01:43:23.762" v="159" actId="478"/>
-          <ac:spMkLst>
-            <pc:docMk/>
-            <pc:sldMk cId="856524676" sldId="257"/>
-            <ac:spMk id="50" creationId="{1DFBC5E2-0E8E-42EA-890F-FF829FA42CFF}"/>
-          </ac:spMkLst>
-        </pc:spChg>
-        <pc:spChg chg="del">
-          <ac:chgData name="晓波 郭" userId="b52b058d9a247165" providerId="LiveId" clId="{A8090E92-0C9B-4AA4-8583-C042A5BF1097}" dt="2021-11-04T01:43:23.762" v="159" actId="478"/>
-          <ac:spMkLst>
-            <pc:docMk/>
-            <pc:sldMk cId="856524676" sldId="257"/>
-            <ac:spMk id="60" creationId="{9EFA2788-2411-49A2-ADA1-2D03444DA2D2}"/>
-          </ac:spMkLst>
-        </pc:spChg>
-        <pc:spChg chg="del">
-          <ac:chgData name="晓波 郭" userId="b52b058d9a247165" providerId="LiveId" clId="{A8090E92-0C9B-4AA4-8583-C042A5BF1097}" dt="2021-11-04T01:43:23.762" v="159" actId="478"/>
-          <ac:spMkLst>
-            <pc:docMk/>
-            <pc:sldMk cId="856524676" sldId="257"/>
-            <ac:spMk id="75" creationId="{EC99CF5B-31CA-4F25-A02F-A25D40053D74}"/>
-          </ac:spMkLst>
-        </pc:spChg>
-        <pc:spChg chg="del">
-          <ac:chgData name="晓波 郭" userId="b52b058d9a247165" providerId="LiveId" clId="{A8090E92-0C9B-4AA4-8583-C042A5BF1097}" dt="2021-11-04T01:43:23.762" v="159" actId="478"/>
-          <ac:spMkLst>
-            <pc:docMk/>
-            <pc:sldMk cId="856524676" sldId="257"/>
-            <ac:spMk id="76" creationId="{540D5080-F250-45B9-93C0-997E9F196084}"/>
-          </ac:spMkLst>
-        </pc:spChg>
-        <pc:spChg chg="del">
-          <ac:chgData name="晓波 郭" userId="b52b058d9a247165" providerId="LiveId" clId="{A8090E92-0C9B-4AA4-8583-C042A5BF1097}" dt="2021-11-04T01:43:23.762" v="159" actId="478"/>
-          <ac:spMkLst>
-            <pc:docMk/>
-            <pc:sldMk cId="856524676" sldId="257"/>
-            <ac:spMk id="77" creationId="{A283E5BB-E9AD-4546-A6CF-1C0138C9955C}"/>
-          </ac:spMkLst>
-        </pc:spChg>
-        <pc:spChg chg="del">
-          <ac:chgData name="晓波 郭" userId="b52b058d9a247165" providerId="LiveId" clId="{A8090E92-0C9B-4AA4-8583-C042A5BF1097}" dt="2021-11-04T01:43:23.762" v="159" actId="478"/>
-          <ac:spMkLst>
-            <pc:docMk/>
-            <pc:sldMk cId="856524676" sldId="257"/>
-            <ac:spMk id="82" creationId="{3106D6D4-F860-4807-B102-06D83A0346D0}"/>
-          </ac:spMkLst>
-        </pc:spChg>
-        <pc:spChg chg="del">
-          <ac:chgData name="晓波 郭" userId="b52b058d9a247165" providerId="LiveId" clId="{A8090E92-0C9B-4AA4-8583-C042A5BF1097}" dt="2021-11-04T01:43:23.762" v="159" actId="478"/>
-          <ac:spMkLst>
-            <pc:docMk/>
-            <pc:sldMk cId="856524676" sldId="257"/>
-            <ac:spMk id="83" creationId="{576943DE-39F2-46F3-A00E-739E9490FBA1}"/>
-          </ac:spMkLst>
-        </pc:spChg>
-        <pc:spChg chg="del">
-          <ac:chgData name="晓波 郭" userId="b52b058d9a247165" providerId="LiveId" clId="{A8090E92-0C9B-4AA4-8583-C042A5BF1097}" dt="2021-11-04T01:43:23.762" v="159" actId="478"/>
-          <ac:spMkLst>
-            <pc:docMk/>
-            <pc:sldMk cId="856524676" sldId="257"/>
-            <ac:spMk id="84" creationId="{F74F065E-1778-406A-84E0-D8FF8C7594DD}"/>
-          </ac:spMkLst>
-        </pc:spChg>
-        <pc:spChg chg="add mod">
-          <ac:chgData name="晓波 郭" userId="b52b058d9a247165" providerId="LiveId" clId="{A8090E92-0C9B-4AA4-8583-C042A5BF1097}" dt="2021-11-04T02:30:46.841" v="886" actId="14100"/>
-          <ac:spMkLst>
-            <pc:docMk/>
-            <pc:sldMk cId="856524676" sldId="257"/>
-            <ac:spMk id="85" creationId="{7794C709-61C3-4C88-AA50-7A9C44B085F8}"/>
-          </ac:spMkLst>
-        </pc:spChg>
-        <pc:spChg chg="add mod">
-          <ac:chgData name="晓波 郭" userId="b52b058d9a247165" providerId="LiveId" clId="{A8090E92-0C9B-4AA4-8583-C042A5BF1097}" dt="2021-11-04T02:11:41.090" v="760" actId="1076"/>
-          <ac:spMkLst>
-            <pc:docMk/>
-            <pc:sldMk cId="856524676" sldId="257"/>
-            <ac:spMk id="86" creationId="{C3B9B8A7-28A2-4B70-9A2A-4BB8CE9353A5}"/>
-          </ac:spMkLst>
-        </pc:spChg>
-        <pc:spChg chg="del">
-          <ac:chgData name="晓波 郭" userId="b52b058d9a247165" providerId="LiveId" clId="{A8090E92-0C9B-4AA4-8583-C042A5BF1097}" dt="2021-11-04T01:43:23.762" v="159" actId="478"/>
-          <ac:spMkLst>
-            <pc:docMk/>
-            <pc:sldMk cId="856524676" sldId="257"/>
-            <ac:spMk id="87" creationId="{A24ABC1C-D03A-431D-80A5-06CBCDE99F1B}"/>
-          </ac:spMkLst>
-        </pc:spChg>
-        <pc:spChg chg="del">
-          <ac:chgData name="晓波 郭" userId="b52b058d9a247165" providerId="LiveId" clId="{A8090E92-0C9B-4AA4-8583-C042A5BF1097}" dt="2021-11-04T01:43:23.762" v="159" actId="478"/>
-          <ac:spMkLst>
-            <pc:docMk/>
-            <pc:sldMk cId="856524676" sldId="257"/>
-            <ac:spMk id="88" creationId="{32DEFB0B-3B12-41D9-A8B7-3F9D0F06CA27}"/>
-          </ac:spMkLst>
-        </pc:spChg>
-        <pc:spChg chg="add mod">
-          <ac:chgData name="晓波 郭" userId="b52b058d9a247165" providerId="LiveId" clId="{A8090E92-0C9B-4AA4-8583-C042A5BF1097}" dt="2021-11-04T02:29:48.214" v="877" actId="1076"/>
-          <ac:spMkLst>
-            <pc:docMk/>
-            <pc:sldMk cId="856524676" sldId="257"/>
-            <ac:spMk id="89" creationId="{481FC1D8-48F4-416F-9026-97DE8FE78224}"/>
-          </ac:spMkLst>
-        </pc:spChg>
-        <pc:spChg chg="del">
-          <ac:chgData name="晓波 郭" userId="b52b058d9a247165" providerId="LiveId" clId="{A8090E92-0C9B-4AA4-8583-C042A5BF1097}" dt="2021-11-04T01:43:23.762" v="159" actId="478"/>
-          <ac:spMkLst>
-            <pc:docMk/>
-            <pc:sldMk cId="856524676" sldId="257"/>
-            <ac:spMk id="90" creationId="{7F6477B1-0F70-480C-BD3B-0C1528253BED}"/>
-          </ac:spMkLst>
-        </pc:spChg>
-        <pc:spChg chg="del">
-          <ac:chgData name="晓波 郭" userId="b52b058d9a247165" providerId="LiveId" clId="{A8090E92-0C9B-4AA4-8583-C042A5BF1097}" dt="2021-11-04T01:43:23.762" v="159" actId="478"/>
-          <ac:spMkLst>
-            <pc:docMk/>
-            <pc:sldMk cId="856524676" sldId="257"/>
-            <ac:spMk id="91" creationId="{0961441B-82CF-48D0-892A-075179806588}"/>
-          </ac:spMkLst>
-        </pc:spChg>
-        <pc:spChg chg="add mod">
-          <ac:chgData name="晓波 郭" userId="b52b058d9a247165" providerId="LiveId" clId="{A8090E92-0C9B-4AA4-8583-C042A5BF1097}" dt="2021-11-04T02:11:36.539" v="759" actId="1076"/>
-          <ac:spMkLst>
-            <pc:docMk/>
-            <pc:sldMk cId="856524676" sldId="257"/>
-            <ac:spMk id="92" creationId="{A27EA0F7-91D5-45BA-8833-1C3DAF03CF5F}"/>
-          </ac:spMkLst>
-        </pc:spChg>
-        <pc:spChg chg="add mod">
-          <ac:chgData name="晓波 郭" userId="b52b058d9a247165" providerId="LiveId" clId="{A8090E92-0C9B-4AA4-8583-C042A5BF1097}" dt="2021-11-04T02:14:20.022" v="789" actId="1076"/>
-          <ac:spMkLst>
-            <pc:docMk/>
-            <pc:sldMk cId="856524676" sldId="257"/>
-            <ac:spMk id="94" creationId="{EC64BC0F-EC3B-44D9-AD5A-726133349DF4}"/>
-          </ac:spMkLst>
-        </pc:spChg>
-        <pc:spChg chg="del">
-          <ac:chgData name="晓波 郭" userId="b52b058d9a247165" providerId="LiveId" clId="{A8090E92-0C9B-4AA4-8583-C042A5BF1097}" dt="2021-11-04T01:43:23.762" v="159" actId="478"/>
-          <ac:spMkLst>
-            <pc:docMk/>
-            <pc:sldMk cId="856524676" sldId="257"/>
-            <ac:spMk id="96" creationId="{616F8BD9-1917-47D4-BEEF-4B59FFF42108}"/>
-          </ac:spMkLst>
-        </pc:spChg>
-        <pc:spChg chg="add mod">
-          <ac:chgData name="晓波 郭" userId="b52b058d9a247165" providerId="LiveId" clId="{A8090E92-0C9B-4AA4-8583-C042A5BF1097}" dt="2021-11-04T02:26:10.144" v="836" actId="1076"/>
-          <ac:spMkLst>
-            <pc:docMk/>
-            <pc:sldMk cId="856524676" sldId="257"/>
-            <ac:spMk id="97" creationId="{5CD02FBA-FA41-4081-88EB-15EC4D8903D1}"/>
-          </ac:spMkLst>
-        </pc:spChg>
-        <pc:spChg chg="del">
-          <ac:chgData name="晓波 郭" userId="b52b058d9a247165" providerId="LiveId" clId="{A8090E92-0C9B-4AA4-8583-C042A5BF1097}" dt="2021-11-04T01:43:23.762" v="159" actId="478"/>
-          <ac:spMkLst>
-            <pc:docMk/>
-            <pc:sldMk cId="856524676" sldId="257"/>
-            <ac:spMk id="102" creationId="{E6E9D757-FACE-47FD-9F83-7EE7FDF63D06}"/>
-          </ac:spMkLst>
-        </pc:spChg>
-        <pc:spChg chg="del">
-          <ac:chgData name="晓波 郭" userId="b52b058d9a247165" providerId="LiveId" clId="{A8090E92-0C9B-4AA4-8583-C042A5BF1097}" dt="2021-11-04T01:43:23.762" v="159" actId="478"/>
-          <ac:spMkLst>
-            <pc:docMk/>
-            <pc:sldMk cId="856524676" sldId="257"/>
-            <ac:spMk id="103" creationId="{4E26B7F7-FADD-402C-AF30-431518924114}"/>
-          </ac:spMkLst>
-        </pc:spChg>
-        <pc:spChg chg="del">
-          <ac:chgData name="晓波 郭" userId="b52b058d9a247165" providerId="LiveId" clId="{A8090E92-0C9B-4AA4-8583-C042A5BF1097}" dt="2021-11-04T01:43:23.762" v="159" actId="478"/>
-          <ac:spMkLst>
-            <pc:docMk/>
-            <pc:sldMk cId="856524676" sldId="257"/>
-            <ac:spMk id="109" creationId="{23300BA4-2028-4B5E-A462-39CA3147A9C4}"/>
-          </ac:spMkLst>
-        </pc:spChg>
-        <pc:spChg chg="del">
-          <ac:chgData name="晓波 郭" userId="b52b058d9a247165" providerId="LiveId" clId="{A8090E92-0C9B-4AA4-8583-C042A5BF1097}" dt="2021-11-04T01:43:23.762" v="159" actId="478"/>
-          <ac:spMkLst>
-            <pc:docMk/>
-            <pc:sldMk cId="856524676" sldId="257"/>
-            <ac:spMk id="110" creationId="{9BF6E55A-4559-4642-98FC-E0D703F5426E}"/>
-          </ac:spMkLst>
-        </pc:spChg>
-        <pc:spChg chg="del">
-          <ac:chgData name="晓波 郭" userId="b52b058d9a247165" providerId="LiveId" clId="{A8090E92-0C9B-4AA4-8583-C042A5BF1097}" dt="2021-11-04T01:43:23.762" v="159" actId="478"/>
-          <ac:spMkLst>
-            <pc:docMk/>
-            <pc:sldMk cId="856524676" sldId="257"/>
-            <ac:spMk id="116" creationId="{8F2836FA-1F44-4B7B-9ABD-5FC85F9F4AAE}"/>
-          </ac:spMkLst>
-        </pc:spChg>
-        <pc:spChg chg="del">
-          <ac:chgData name="晓波 郭" userId="b52b058d9a247165" providerId="LiveId" clId="{A8090E92-0C9B-4AA4-8583-C042A5BF1097}" dt="2021-11-04T01:43:23.762" v="159" actId="478"/>
-          <ac:spMkLst>
-            <pc:docMk/>
-            <pc:sldMk cId="856524676" sldId="257"/>
-            <ac:spMk id="118" creationId="{61458D2A-7D59-40EB-9BD8-28A3AF90FE7B}"/>
-          </ac:spMkLst>
-        </pc:spChg>
-        <pc:spChg chg="del">
-          <ac:chgData name="晓波 郭" userId="b52b058d9a247165" providerId="LiveId" clId="{A8090E92-0C9B-4AA4-8583-C042A5BF1097}" dt="2021-11-04T01:43:23.762" v="159" actId="478"/>
-          <ac:spMkLst>
-            <pc:docMk/>
-            <pc:sldMk cId="856524676" sldId="257"/>
-            <ac:spMk id="121" creationId="{0AD5DF4A-20FA-40C6-83A5-54C3D8FA312E}"/>
-          </ac:spMkLst>
-        </pc:spChg>
-        <pc:spChg chg="del">
-          <ac:chgData name="晓波 郭" userId="b52b058d9a247165" providerId="LiveId" clId="{A8090E92-0C9B-4AA4-8583-C042A5BF1097}" dt="2021-11-04T01:43:23.762" v="159" actId="478"/>
-          <ac:spMkLst>
-            <pc:docMk/>
-            <pc:sldMk cId="856524676" sldId="257"/>
-            <ac:spMk id="122" creationId="{007B34A6-4C06-4059-9B54-AEE209692270}"/>
-          </ac:spMkLst>
-        </pc:spChg>
-        <pc:spChg chg="add mod">
-          <ac:chgData name="晓波 郭" userId="b52b058d9a247165" providerId="LiveId" clId="{A8090E92-0C9B-4AA4-8583-C042A5BF1097}" dt="2021-11-04T02:29:08.289" v="874" actId="1076"/>
-          <ac:spMkLst>
-            <pc:docMk/>
-            <pc:sldMk cId="856524676" sldId="257"/>
-            <ac:spMk id="124" creationId="{9B615681-F1A3-4E73-9069-41B226BABC60}"/>
-          </ac:spMkLst>
-        </pc:spChg>
-        <pc:spChg chg="add mod">
-          <ac:chgData name="晓波 郭" userId="b52b058d9a247165" providerId="LiveId" clId="{A8090E92-0C9B-4AA4-8583-C042A5BF1097}" dt="2021-11-04T02:31:41.603" v="889" actId="1076"/>
-          <ac:spMkLst>
-            <pc:docMk/>
-            <pc:sldMk cId="856524676" sldId="257"/>
-            <ac:spMk id="125" creationId="{CB41785E-F9B0-4178-8599-F9D10B2AE2F6}"/>
-          </ac:spMkLst>
-        </pc:spChg>
-        <pc:spChg chg="add mod">
-          <ac:chgData name="晓波 郭" userId="b52b058d9a247165" providerId="LiveId" clId="{A8090E92-0C9B-4AA4-8583-C042A5BF1097}" dt="2021-11-04T02:29:36.944" v="876" actId="1076"/>
-          <ac:spMkLst>
-            <pc:docMk/>
-            <pc:sldMk cId="856524676" sldId="257"/>
-            <ac:spMk id="126" creationId="{78862DCB-7FC1-4F8C-8615-9724D7D3BDCE}"/>
-          </ac:spMkLst>
-        </pc:spChg>
-        <pc:spChg chg="add mod">
-          <ac:chgData name="晓波 郭" userId="b52b058d9a247165" providerId="LiveId" clId="{A8090E92-0C9B-4AA4-8583-C042A5BF1097}" dt="2021-11-04T02:29:36.944" v="876" actId="1076"/>
-          <ac:spMkLst>
-            <pc:docMk/>
-            <pc:sldMk cId="856524676" sldId="257"/>
-            <ac:spMk id="127" creationId="{9DD40A72-37D0-4B69-BF70-424579E1768C}"/>
-          </ac:spMkLst>
-        </pc:spChg>
-        <pc:graphicFrameChg chg="add del modGraphic">
-          <ac:chgData name="晓波 郭" userId="b52b058d9a247165" providerId="LiveId" clId="{A8090E92-0C9B-4AA4-8583-C042A5BF1097}" dt="2021-11-04T01:49:00.290" v="264" actId="478"/>
-          <ac:graphicFrameMkLst>
-            <pc:docMk/>
-            <pc:sldMk cId="856524676" sldId="257"/>
-            <ac:graphicFrameMk id="14" creationId="{85A66FD8-42E1-48ED-8178-AE2106A05F4C}"/>
-          </ac:graphicFrameMkLst>
-        </pc:graphicFrameChg>
-        <pc:graphicFrameChg chg="add del">
-          <ac:chgData name="晓波 郭" userId="b52b058d9a247165" providerId="LiveId" clId="{A8090E92-0C9B-4AA4-8583-C042A5BF1097}" dt="2021-11-04T01:49:43.890" v="266" actId="3680"/>
-          <ac:graphicFrameMkLst>
-            <pc:docMk/>
-            <pc:sldMk cId="856524676" sldId="257"/>
-            <ac:graphicFrameMk id="15" creationId="{C9736B8F-1051-4DF2-9E14-51031CAC34D4}"/>
-          </ac:graphicFrameMkLst>
-        </pc:graphicFrameChg>
-        <pc:graphicFrameChg chg="add mod modGraphic">
-          <ac:chgData name="晓波 郭" userId="b52b058d9a247165" providerId="LiveId" clId="{A8090E92-0C9B-4AA4-8583-C042A5BF1097}" dt="2021-11-04T02:27:08.192" v="852"/>
-          <ac:graphicFrameMkLst>
-            <pc:docMk/>
-            <pc:sldMk cId="856524676" sldId="257"/>
-            <ac:graphicFrameMk id="16" creationId="{F1D14A8D-ABD9-453E-B4FE-6C945C128803}"/>
-          </ac:graphicFrameMkLst>
-        </pc:graphicFrameChg>
-        <pc:graphicFrameChg chg="add mod modGraphic">
-          <ac:chgData name="晓波 郭" userId="b52b058d9a247165" providerId="LiveId" clId="{A8090E92-0C9B-4AA4-8583-C042A5BF1097}" dt="2021-11-04T02:26:35.200" v="846"/>
-          <ac:graphicFrameMkLst>
-            <pc:docMk/>
-            <pc:sldMk cId="856524676" sldId="257"/>
-            <ac:graphicFrameMk id="18" creationId="{324EFC75-B61F-4F83-A6CE-197EF8E22835}"/>
-          </ac:graphicFrameMkLst>
-        </pc:graphicFrameChg>
-        <pc:graphicFrameChg chg="add mod modGraphic">
-          <ac:chgData name="晓波 郭" userId="b52b058d9a247165" providerId="LiveId" clId="{A8090E92-0C9B-4AA4-8583-C042A5BF1097}" dt="2021-11-04T02:26:54.833" v="850"/>
-          <ac:graphicFrameMkLst>
-            <pc:docMk/>
-            <pc:sldMk cId="856524676" sldId="257"/>
-            <ac:graphicFrameMk id="55" creationId="{101D4176-4DF5-4315-8CF6-A7CC43584930}"/>
-          </ac:graphicFrameMkLst>
-        </pc:graphicFrameChg>
-        <pc:graphicFrameChg chg="add del mod modGraphic">
-          <ac:chgData name="晓波 郭" userId="b52b058d9a247165" providerId="LiveId" clId="{A8090E92-0C9B-4AA4-8583-C042A5BF1097}" dt="2021-11-04T01:54:08.544" v="328" actId="478"/>
-          <ac:graphicFrameMkLst>
-            <pc:docMk/>
-            <pc:sldMk cId="856524676" sldId="257"/>
-            <ac:graphicFrameMk id="56" creationId="{CE1041B3-06FA-4F99-9934-2F2D2B1FC197}"/>
-          </ac:graphicFrameMkLst>
-        </pc:graphicFrameChg>
-        <pc:graphicFrameChg chg="add mod modGraphic">
-          <ac:chgData name="晓波 郭" userId="b52b058d9a247165" providerId="LiveId" clId="{A8090E92-0C9B-4AA4-8583-C042A5BF1097}" dt="2021-11-04T02:26:47.680" v="848"/>
-          <ac:graphicFrameMkLst>
-            <pc:docMk/>
-            <pc:sldMk cId="856524676" sldId="257"/>
-            <ac:graphicFrameMk id="73" creationId="{9C46784C-6CEF-4FF5-B5C1-F0AB52DE0255}"/>
-          </ac:graphicFrameMkLst>
-        </pc:graphicFrameChg>
-        <pc:cxnChg chg="del mod">
-          <ac:chgData name="晓波 郭" userId="b52b058d9a247165" providerId="LiveId" clId="{A8090E92-0C9B-4AA4-8583-C042A5BF1097}" dt="2021-11-04T01:43:23.762" v="159" actId="478"/>
-          <ac:cxnSpMkLst>
-            <pc:docMk/>
-            <pc:sldMk cId="856524676" sldId="257"/>
-            <ac:cxnSpMk id="6" creationId="{C6809FB0-DF25-4CF3-BD0E-4691D807B168}"/>
-          </ac:cxnSpMkLst>
-        </pc:cxnChg>
-        <pc:cxnChg chg="del mod">
-          <ac:chgData name="晓波 郭" userId="b52b058d9a247165" providerId="LiveId" clId="{A8090E92-0C9B-4AA4-8583-C042A5BF1097}" dt="2021-11-04T01:43:23.762" v="159" actId="478"/>
-          <ac:cxnSpMkLst>
-            <pc:docMk/>
-            <pc:sldMk cId="856524676" sldId="257"/>
-            <ac:cxnSpMk id="9" creationId="{BC9B4C5A-C1AE-423F-AB9D-44534C3686E3}"/>
-          </ac:cxnSpMkLst>
-        </pc:cxnChg>
-        <pc:cxnChg chg="add mod">
-          <ac:chgData name="晓波 郭" userId="b52b058d9a247165" providerId="LiveId" clId="{A8090E92-0C9B-4AA4-8583-C042A5BF1097}" dt="2021-11-04T02:28:47.297" v="872" actId="208"/>
-          <ac:cxnSpMkLst>
-            <pc:docMk/>
-            <pc:sldMk cId="856524676" sldId="257"/>
-            <ac:cxnSpMk id="10" creationId="{E74CE01F-25BA-405F-BFD3-9ABA443911DF}"/>
-          </ac:cxnSpMkLst>
-        </pc:cxnChg>
-        <pc:cxnChg chg="add mod">
-          <ac:chgData name="晓波 郭" userId="b52b058d9a247165" providerId="LiveId" clId="{A8090E92-0C9B-4AA4-8583-C042A5BF1097}" dt="2021-11-04T02:28:47.297" v="872" actId="208"/>
-          <ac:cxnSpMkLst>
-            <pc:docMk/>
-            <pc:sldMk cId="856524676" sldId="257"/>
-            <ac:cxnSpMk id="13" creationId="{C279DE74-CED1-4038-8144-4F709DFC3189}"/>
-          </ac:cxnSpMkLst>
-        </pc:cxnChg>
-        <pc:cxnChg chg="add mod">
-          <ac:chgData name="晓波 郭" userId="b52b058d9a247165" providerId="LiveId" clId="{A8090E92-0C9B-4AA4-8583-C042A5BF1097}" dt="2021-11-04T02:28:47.297" v="872" actId="208"/>
-          <ac:cxnSpMkLst>
-            <pc:docMk/>
-            <pc:sldMk cId="856524676" sldId="257"/>
-            <ac:cxnSpMk id="20" creationId="{97DEFC0E-0A07-40EB-8C4D-8009B8F87FC9}"/>
-          </ac:cxnSpMkLst>
-        </pc:cxnChg>
-        <pc:cxnChg chg="add mod">
-          <ac:chgData name="晓波 郭" userId="b52b058d9a247165" providerId="LiveId" clId="{A8090E92-0C9B-4AA4-8583-C042A5BF1097}" dt="2021-11-04T02:28:47.297" v="872" actId="208"/>
-          <ac:cxnSpMkLst>
-            <pc:docMk/>
-            <pc:sldMk cId="856524676" sldId="257"/>
-            <ac:cxnSpMk id="22" creationId="{05437991-C07D-4CD3-9B46-06C7E3939E37}"/>
-          </ac:cxnSpMkLst>
-        </pc:cxnChg>
-        <pc:cxnChg chg="add mod">
-          <ac:chgData name="晓波 郭" userId="b52b058d9a247165" providerId="LiveId" clId="{A8090E92-0C9B-4AA4-8583-C042A5BF1097}" dt="2021-11-04T02:28:47.297" v="872" actId="208"/>
-          <ac:cxnSpMkLst>
-            <pc:docMk/>
-            <pc:sldMk cId="856524676" sldId="257"/>
-            <ac:cxnSpMk id="26" creationId="{AD69E1AB-5539-410F-A056-0D7938E08180}"/>
-          </ac:cxnSpMkLst>
-        </pc:cxnChg>
-        <pc:cxnChg chg="del mod">
-          <ac:chgData name="晓波 郭" userId="b52b058d9a247165" providerId="LiveId" clId="{A8090E92-0C9B-4AA4-8583-C042A5BF1097}" dt="2021-11-04T01:43:23.762" v="159" actId="478"/>
-          <ac:cxnSpMkLst>
-            <pc:docMk/>
-            <pc:sldMk cId="856524676" sldId="257"/>
-            <ac:cxnSpMk id="28" creationId="{A223468B-10EC-42FD-83A7-839F2F94E0DA}"/>
-          </ac:cxnSpMkLst>
-        </pc:cxnChg>
-        <pc:cxnChg chg="del mod">
-          <ac:chgData name="晓波 郭" userId="b52b058d9a247165" providerId="LiveId" clId="{A8090E92-0C9B-4AA4-8583-C042A5BF1097}" dt="2021-11-04T01:43:23.762" v="159" actId="478"/>
-          <ac:cxnSpMkLst>
-            <pc:docMk/>
-            <pc:sldMk cId="856524676" sldId="257"/>
-            <ac:cxnSpMk id="30" creationId="{8EDDC904-E21E-4B41-A467-4CBEF906DB0D}"/>
-          </ac:cxnSpMkLst>
-        </pc:cxnChg>
-        <pc:cxnChg chg="add mod">
-          <ac:chgData name="晓波 郭" userId="b52b058d9a247165" providerId="LiveId" clId="{A8090E92-0C9B-4AA4-8583-C042A5BF1097}" dt="2021-11-04T02:28:47.297" v="872" actId="208"/>
-          <ac:cxnSpMkLst>
-            <pc:docMk/>
-            <pc:sldMk cId="856524676" sldId="257"/>
-            <ac:cxnSpMk id="42" creationId="{804FD88D-0C17-461E-99A8-28C309E774A8}"/>
-          </ac:cxnSpMkLst>
-        </pc:cxnChg>
-        <pc:cxnChg chg="del mod">
-          <ac:chgData name="晓波 郭" userId="b52b058d9a247165" providerId="LiveId" clId="{A8090E92-0C9B-4AA4-8583-C042A5BF1097}" dt="2021-11-04T01:43:23.762" v="159" actId="478"/>
-          <ac:cxnSpMkLst>
-            <pc:docMk/>
-            <pc:sldMk cId="856524676" sldId="257"/>
-            <ac:cxnSpMk id="93" creationId="{EC412F55-E68A-4465-A239-AB3405E8B92A}"/>
-          </ac:cxnSpMkLst>
-        </pc:cxnChg>
-        <pc:cxnChg chg="del">
-          <ac:chgData name="晓波 郭" userId="b52b058d9a247165" providerId="LiveId" clId="{A8090E92-0C9B-4AA4-8583-C042A5BF1097}" dt="2021-11-04T01:43:23.762" v="159" actId="478"/>
-          <ac:cxnSpMkLst>
-            <pc:docMk/>
-            <pc:sldMk cId="856524676" sldId="257"/>
-            <ac:cxnSpMk id="95" creationId="{2649B560-BBBF-43DE-A0CA-85252451DAD4}"/>
-          </ac:cxnSpMkLst>
-        </pc:cxnChg>
-        <pc:cxnChg chg="del">
-          <ac:chgData name="晓波 郭" userId="b52b058d9a247165" providerId="LiveId" clId="{A8090E92-0C9B-4AA4-8583-C042A5BF1097}" dt="2021-11-04T01:43:23.762" v="159" actId="478"/>
-          <ac:cxnSpMkLst>
-            <pc:docMk/>
-            <pc:sldMk cId="856524676" sldId="257"/>
-            <ac:cxnSpMk id="100" creationId="{8E16C906-B800-4B19-9C25-F3870EBE9E1C}"/>
-          </ac:cxnSpMkLst>
-        </pc:cxnChg>
-        <pc:cxnChg chg="del mod">
-          <ac:chgData name="晓波 郭" userId="b52b058d9a247165" providerId="LiveId" clId="{A8090E92-0C9B-4AA4-8583-C042A5BF1097}" dt="2021-11-04T01:43:23.762" v="159" actId="478"/>
-          <ac:cxnSpMkLst>
-            <pc:docMk/>
-            <pc:sldMk cId="856524676" sldId="257"/>
-            <ac:cxnSpMk id="101" creationId="{7A110CDA-879F-4203-8F10-F914E9E5654D}"/>
-          </ac:cxnSpMkLst>
-        </pc:cxnChg>
-        <pc:cxnChg chg="del mod">
-          <ac:chgData name="晓波 郭" userId="b52b058d9a247165" providerId="LiveId" clId="{A8090E92-0C9B-4AA4-8583-C042A5BF1097}" dt="2021-11-04T01:43:23.762" v="159" actId="478"/>
-          <ac:cxnSpMkLst>
-            <pc:docMk/>
-            <pc:sldMk cId="856524676" sldId="257"/>
-            <ac:cxnSpMk id="104" creationId="{DCBA80FE-89A2-442E-81C7-51606674F7FB}"/>
-          </ac:cxnSpMkLst>
-        </pc:cxnChg>
-      </pc:sldChg>
-      <pc:sldChg chg="add del">
-        <pc:chgData name="晓波 郭" userId="b52b058d9a247165" providerId="LiveId" clId="{A8090E92-0C9B-4AA4-8583-C042A5BF1097}" dt="2021-11-04T01:43:36.521" v="165"/>
-        <pc:sldMkLst>
-          <pc:docMk/>
-          <pc:sldMk cId="2849350983" sldId="258"/>
-        </pc:sldMkLst>
-      </pc:sldChg>
-      <pc:sldMasterChg chg="modSp modSldLayout">
-        <pc:chgData name="晓波 郭" userId="b52b058d9a247165" providerId="LiveId" clId="{A8090E92-0C9B-4AA4-8583-C042A5BF1097}" dt="2021-11-03T18:30:36.026" v="14"/>
-        <pc:sldMasterMkLst>
-          <pc:docMk/>
-          <pc:sldMasterMk cId="98844404" sldId="2147483672"/>
-        </pc:sldMasterMkLst>
-        <pc:spChg chg="mod">
-          <ac:chgData name="晓波 郭" userId="b52b058d9a247165" providerId="LiveId" clId="{A8090E92-0C9B-4AA4-8583-C042A5BF1097}" dt="2021-11-03T18:30:36.026" v="14"/>
-          <ac:spMkLst>
-            <pc:docMk/>
-            <pc:sldMasterMk cId="98844404" sldId="2147483672"/>
-            <ac:spMk id="2" creationId="{00000000-0000-0000-0000-000000000000}"/>
-          </ac:spMkLst>
-        </pc:spChg>
-        <pc:spChg chg="mod">
-          <ac:chgData name="晓波 郭" userId="b52b058d9a247165" providerId="LiveId" clId="{A8090E92-0C9B-4AA4-8583-C042A5BF1097}" dt="2021-11-03T18:30:36.026" v="14"/>
-          <ac:spMkLst>
-            <pc:docMk/>
-            <pc:sldMasterMk cId="98844404" sldId="2147483672"/>
-            <ac:spMk id="3" creationId="{00000000-0000-0000-0000-000000000000}"/>
-          </ac:spMkLst>
-        </pc:spChg>
-        <pc:spChg chg="mod">
-          <ac:chgData name="晓波 郭" userId="b52b058d9a247165" providerId="LiveId" clId="{A8090E92-0C9B-4AA4-8583-C042A5BF1097}" dt="2021-11-03T18:30:36.026" v="14"/>
-          <ac:spMkLst>
-            <pc:docMk/>
-            <pc:sldMasterMk cId="98844404" sldId="2147483672"/>
-            <ac:spMk id="4" creationId="{00000000-0000-0000-0000-000000000000}"/>
-          </ac:spMkLst>
-        </pc:spChg>
-        <pc:spChg chg="mod">
-          <ac:chgData name="晓波 郭" userId="b52b058d9a247165" providerId="LiveId" clId="{A8090E92-0C9B-4AA4-8583-C042A5BF1097}" dt="2021-11-03T18:30:36.026" v="14"/>
-          <ac:spMkLst>
-            <pc:docMk/>
-            <pc:sldMasterMk cId="98844404" sldId="2147483672"/>
-            <ac:spMk id="5" creationId="{00000000-0000-0000-0000-000000000000}"/>
-          </ac:spMkLst>
-        </pc:spChg>
-        <pc:spChg chg="mod">
-          <ac:chgData name="晓波 郭" userId="b52b058d9a247165" providerId="LiveId" clId="{A8090E92-0C9B-4AA4-8583-C042A5BF1097}" dt="2021-11-03T18:30:36.026" v="14"/>
-          <ac:spMkLst>
-            <pc:docMk/>
-            <pc:sldMasterMk cId="98844404" sldId="2147483672"/>
-            <ac:spMk id="6" creationId="{00000000-0000-0000-0000-000000000000}"/>
-          </ac:spMkLst>
-        </pc:spChg>
-        <pc:sldLayoutChg chg="modSp">
-          <pc:chgData name="晓波 郭" userId="b52b058d9a247165" providerId="LiveId" clId="{A8090E92-0C9B-4AA4-8583-C042A5BF1097}" dt="2021-11-03T18:30:36.026" v="14"/>
-          <pc:sldLayoutMkLst>
-            <pc:docMk/>
-            <pc:sldMasterMk cId="98844404" sldId="2147483672"/>
-            <pc:sldLayoutMk cId="2100265798" sldId="2147483673"/>
-          </pc:sldLayoutMkLst>
-          <pc:spChg chg="mod">
-            <ac:chgData name="晓波 郭" userId="b52b058d9a247165" providerId="LiveId" clId="{A8090E92-0C9B-4AA4-8583-C042A5BF1097}" dt="2021-11-03T18:30:36.026" v="14"/>
-            <ac:spMkLst>
-              <pc:docMk/>
-              <pc:sldMasterMk cId="98844404" sldId="2147483672"/>
-              <pc:sldLayoutMk cId="2100265798" sldId="2147483673"/>
-              <ac:spMk id="2" creationId="{00000000-0000-0000-0000-000000000000}"/>
-            </ac:spMkLst>
-          </pc:spChg>
-          <pc:spChg chg="mod">
-            <ac:chgData name="晓波 郭" userId="b52b058d9a247165" providerId="LiveId" clId="{A8090E92-0C9B-4AA4-8583-C042A5BF1097}" dt="2021-11-03T18:30:36.026" v="14"/>
-            <ac:spMkLst>
-              <pc:docMk/>
-              <pc:sldMasterMk cId="98844404" sldId="2147483672"/>
-              <pc:sldLayoutMk cId="2100265798" sldId="2147483673"/>
-              <ac:spMk id="3" creationId="{00000000-0000-0000-0000-000000000000}"/>
-            </ac:spMkLst>
-          </pc:spChg>
-        </pc:sldLayoutChg>
-        <pc:sldLayoutChg chg="modSp">
-          <pc:chgData name="晓波 郭" userId="b52b058d9a247165" providerId="LiveId" clId="{A8090E92-0C9B-4AA4-8583-C042A5BF1097}" dt="2021-11-03T18:30:36.026" v="14"/>
-          <pc:sldLayoutMkLst>
-            <pc:docMk/>
-            <pc:sldMasterMk cId="98844404" sldId="2147483672"/>
-            <pc:sldLayoutMk cId="3603458784" sldId="2147483675"/>
-          </pc:sldLayoutMkLst>
-          <pc:spChg chg="mod">
-            <ac:chgData name="晓波 郭" userId="b52b058d9a247165" providerId="LiveId" clId="{A8090E92-0C9B-4AA4-8583-C042A5BF1097}" dt="2021-11-03T18:30:36.026" v="14"/>
-            <ac:spMkLst>
-              <pc:docMk/>
-              <pc:sldMasterMk cId="98844404" sldId="2147483672"/>
-              <pc:sldLayoutMk cId="3603458784" sldId="2147483675"/>
-              <ac:spMk id="2" creationId="{00000000-0000-0000-0000-000000000000}"/>
-            </ac:spMkLst>
-          </pc:spChg>
-          <pc:spChg chg="mod">
-            <ac:chgData name="晓波 郭" userId="b52b058d9a247165" providerId="LiveId" clId="{A8090E92-0C9B-4AA4-8583-C042A5BF1097}" dt="2021-11-03T18:30:36.026" v="14"/>
-            <ac:spMkLst>
-              <pc:docMk/>
-              <pc:sldMasterMk cId="98844404" sldId="2147483672"/>
-              <pc:sldLayoutMk cId="3603458784" sldId="2147483675"/>
-              <ac:spMk id="3" creationId="{00000000-0000-0000-0000-000000000000}"/>
-            </ac:spMkLst>
-          </pc:spChg>
-        </pc:sldLayoutChg>
-        <pc:sldLayoutChg chg="modSp">
-          <pc:chgData name="晓波 郭" userId="b52b058d9a247165" providerId="LiveId" clId="{A8090E92-0C9B-4AA4-8583-C042A5BF1097}" dt="2021-11-03T18:30:36.026" v="14"/>
-          <pc:sldLayoutMkLst>
-            <pc:docMk/>
-            <pc:sldMasterMk cId="98844404" sldId="2147483672"/>
-            <pc:sldLayoutMk cId="2590261012" sldId="2147483676"/>
-          </pc:sldLayoutMkLst>
-          <pc:spChg chg="mod">
-            <ac:chgData name="晓波 郭" userId="b52b058d9a247165" providerId="LiveId" clId="{A8090E92-0C9B-4AA4-8583-C042A5BF1097}" dt="2021-11-03T18:30:36.026" v="14"/>
-            <ac:spMkLst>
-              <pc:docMk/>
-              <pc:sldMasterMk cId="98844404" sldId="2147483672"/>
-              <pc:sldLayoutMk cId="2590261012" sldId="2147483676"/>
-              <ac:spMk id="3" creationId="{00000000-0000-0000-0000-000000000000}"/>
-            </ac:spMkLst>
-          </pc:spChg>
-          <pc:spChg chg="mod">
-            <ac:chgData name="晓波 郭" userId="b52b058d9a247165" providerId="LiveId" clId="{A8090E92-0C9B-4AA4-8583-C042A5BF1097}" dt="2021-11-03T18:30:36.026" v="14"/>
-            <ac:spMkLst>
-              <pc:docMk/>
-              <pc:sldMasterMk cId="98844404" sldId="2147483672"/>
-              <pc:sldLayoutMk cId="2590261012" sldId="2147483676"/>
-              <ac:spMk id="4" creationId="{00000000-0000-0000-0000-000000000000}"/>
-            </ac:spMkLst>
-          </pc:spChg>
-        </pc:sldLayoutChg>
-        <pc:sldLayoutChg chg="modSp">
-          <pc:chgData name="晓波 郭" userId="b52b058d9a247165" providerId="LiveId" clId="{A8090E92-0C9B-4AA4-8583-C042A5BF1097}" dt="2021-11-03T18:30:36.026" v="14"/>
-          <pc:sldLayoutMkLst>
-            <pc:docMk/>
-            <pc:sldMasterMk cId="98844404" sldId="2147483672"/>
-            <pc:sldLayoutMk cId="2205646336" sldId="2147483677"/>
-          </pc:sldLayoutMkLst>
-          <pc:spChg chg="mod">
-            <ac:chgData name="晓波 郭" userId="b52b058d9a247165" providerId="LiveId" clId="{A8090E92-0C9B-4AA4-8583-C042A5BF1097}" dt="2021-11-03T18:30:36.026" v="14"/>
-            <ac:spMkLst>
-              <pc:docMk/>
-              <pc:sldMasterMk cId="98844404" sldId="2147483672"/>
-              <pc:sldLayoutMk cId="2205646336" sldId="2147483677"/>
-              <ac:spMk id="2" creationId="{00000000-0000-0000-0000-000000000000}"/>
-            </ac:spMkLst>
-          </pc:spChg>
-          <pc:spChg chg="mod">
-            <ac:chgData name="晓波 郭" userId="b52b058d9a247165" providerId="LiveId" clId="{A8090E92-0C9B-4AA4-8583-C042A5BF1097}" dt="2021-11-03T18:30:36.026" v="14"/>
-            <ac:spMkLst>
-              <pc:docMk/>
-              <pc:sldMasterMk cId="98844404" sldId="2147483672"/>
-              <pc:sldLayoutMk cId="2205646336" sldId="2147483677"/>
-              <ac:spMk id="3" creationId="{00000000-0000-0000-0000-000000000000}"/>
-            </ac:spMkLst>
-          </pc:spChg>
-          <pc:spChg chg="mod">
-            <ac:chgData name="晓波 郭" userId="b52b058d9a247165" providerId="LiveId" clId="{A8090E92-0C9B-4AA4-8583-C042A5BF1097}" dt="2021-11-03T18:30:36.026" v="14"/>
-            <ac:spMkLst>
-              <pc:docMk/>
-              <pc:sldMasterMk cId="98844404" sldId="2147483672"/>
-              <pc:sldLayoutMk cId="2205646336" sldId="2147483677"/>
-              <ac:spMk id="4" creationId="{00000000-0000-0000-0000-000000000000}"/>
-            </ac:spMkLst>
-          </pc:spChg>
-          <pc:spChg chg="mod">
-            <ac:chgData name="晓波 郭" userId="b52b058d9a247165" providerId="LiveId" clId="{A8090E92-0C9B-4AA4-8583-C042A5BF1097}" dt="2021-11-03T18:30:36.026" v="14"/>
-            <ac:spMkLst>
-              <pc:docMk/>
-              <pc:sldMasterMk cId="98844404" sldId="2147483672"/>
-              <pc:sldLayoutMk cId="2205646336" sldId="2147483677"/>
-              <ac:spMk id="5" creationId="{00000000-0000-0000-0000-000000000000}"/>
-            </ac:spMkLst>
-          </pc:spChg>
-          <pc:spChg chg="mod">
-            <ac:chgData name="晓波 郭" userId="b52b058d9a247165" providerId="LiveId" clId="{A8090E92-0C9B-4AA4-8583-C042A5BF1097}" dt="2021-11-03T18:30:36.026" v="14"/>
-            <ac:spMkLst>
-              <pc:docMk/>
-              <pc:sldMasterMk cId="98844404" sldId="2147483672"/>
-              <pc:sldLayoutMk cId="2205646336" sldId="2147483677"/>
-              <ac:spMk id="6" creationId="{00000000-0000-0000-0000-000000000000}"/>
-            </ac:spMkLst>
-          </pc:spChg>
-        </pc:sldLayoutChg>
-        <pc:sldLayoutChg chg="modSp">
-          <pc:chgData name="晓波 郭" userId="b52b058d9a247165" providerId="LiveId" clId="{A8090E92-0C9B-4AA4-8583-C042A5BF1097}" dt="2021-11-03T18:30:36.026" v="14"/>
-          <pc:sldLayoutMkLst>
-            <pc:docMk/>
-            <pc:sldMasterMk cId="98844404" sldId="2147483672"/>
-            <pc:sldLayoutMk cId="1056811442" sldId="2147483680"/>
-          </pc:sldLayoutMkLst>
-          <pc:spChg chg="mod">
-            <ac:chgData name="晓波 郭" userId="b52b058d9a247165" providerId="LiveId" clId="{A8090E92-0C9B-4AA4-8583-C042A5BF1097}" dt="2021-11-03T18:30:36.026" v="14"/>
-            <ac:spMkLst>
-              <pc:docMk/>
-              <pc:sldMasterMk cId="98844404" sldId="2147483672"/>
-              <pc:sldLayoutMk cId="1056811442" sldId="2147483680"/>
-              <ac:spMk id="2" creationId="{00000000-0000-0000-0000-000000000000}"/>
-            </ac:spMkLst>
-          </pc:spChg>
-          <pc:spChg chg="mod">
-            <ac:chgData name="晓波 郭" userId="b52b058d9a247165" providerId="LiveId" clId="{A8090E92-0C9B-4AA4-8583-C042A5BF1097}" dt="2021-11-03T18:30:36.026" v="14"/>
-            <ac:spMkLst>
-              <pc:docMk/>
-              <pc:sldMasterMk cId="98844404" sldId="2147483672"/>
-              <pc:sldLayoutMk cId="1056811442" sldId="2147483680"/>
-              <ac:spMk id="3" creationId="{00000000-0000-0000-0000-000000000000}"/>
-            </ac:spMkLst>
-          </pc:spChg>
-          <pc:spChg chg="mod">
-            <ac:chgData name="晓波 郭" userId="b52b058d9a247165" providerId="LiveId" clId="{A8090E92-0C9B-4AA4-8583-C042A5BF1097}" dt="2021-11-03T18:30:36.026" v="14"/>
-            <ac:spMkLst>
-              <pc:docMk/>
-              <pc:sldMasterMk cId="98844404" sldId="2147483672"/>
-              <pc:sldLayoutMk cId="1056811442" sldId="2147483680"/>
-              <ac:spMk id="4" creationId="{00000000-0000-0000-0000-000000000000}"/>
-            </ac:spMkLst>
-          </pc:spChg>
-        </pc:sldLayoutChg>
-        <pc:sldLayoutChg chg="modSp">
-          <pc:chgData name="晓波 郭" userId="b52b058d9a247165" providerId="LiveId" clId="{A8090E92-0C9B-4AA4-8583-C042A5BF1097}" dt="2021-11-03T18:30:36.026" v="14"/>
-          <pc:sldLayoutMkLst>
-            <pc:docMk/>
-            <pc:sldMasterMk cId="98844404" sldId="2147483672"/>
-            <pc:sldLayoutMk cId="1986380325" sldId="2147483681"/>
-          </pc:sldLayoutMkLst>
-          <pc:spChg chg="mod">
-            <ac:chgData name="晓波 郭" userId="b52b058d9a247165" providerId="LiveId" clId="{A8090E92-0C9B-4AA4-8583-C042A5BF1097}" dt="2021-11-03T18:30:36.026" v="14"/>
-            <ac:spMkLst>
-              <pc:docMk/>
-              <pc:sldMasterMk cId="98844404" sldId="2147483672"/>
-              <pc:sldLayoutMk cId="1986380325" sldId="2147483681"/>
-              <ac:spMk id="2" creationId="{00000000-0000-0000-0000-000000000000}"/>
-            </ac:spMkLst>
-          </pc:spChg>
-          <pc:spChg chg="mod">
-            <ac:chgData name="晓波 郭" userId="b52b058d9a247165" providerId="LiveId" clId="{A8090E92-0C9B-4AA4-8583-C042A5BF1097}" dt="2021-11-03T18:30:36.026" v="14"/>
-            <ac:spMkLst>
-              <pc:docMk/>
-              <pc:sldMasterMk cId="98844404" sldId="2147483672"/>
-              <pc:sldLayoutMk cId="1986380325" sldId="2147483681"/>
-              <ac:spMk id="3" creationId="{00000000-0000-0000-0000-000000000000}"/>
-            </ac:spMkLst>
-          </pc:spChg>
-          <pc:spChg chg="mod">
-            <ac:chgData name="晓波 郭" userId="b52b058d9a247165" providerId="LiveId" clId="{A8090E92-0C9B-4AA4-8583-C042A5BF1097}" dt="2021-11-03T18:30:36.026" v="14"/>
-            <ac:spMkLst>
-              <pc:docMk/>
-              <pc:sldMasterMk cId="98844404" sldId="2147483672"/>
-              <pc:sldLayoutMk cId="1986380325" sldId="2147483681"/>
-              <ac:spMk id="4" creationId="{00000000-0000-0000-0000-000000000000}"/>
-            </ac:spMkLst>
-          </pc:spChg>
-        </pc:sldLayoutChg>
-        <pc:sldLayoutChg chg="modSp">
-          <pc:chgData name="晓波 郭" userId="b52b058d9a247165" providerId="LiveId" clId="{A8090E92-0C9B-4AA4-8583-C042A5BF1097}" dt="2021-11-03T18:30:36.026" v="14"/>
-          <pc:sldLayoutMkLst>
-            <pc:docMk/>
-            <pc:sldMasterMk cId="98844404" sldId="2147483672"/>
-            <pc:sldLayoutMk cId="3867132224" sldId="2147483683"/>
-          </pc:sldLayoutMkLst>
-          <pc:spChg chg="mod">
-            <ac:chgData name="晓波 郭" userId="b52b058d9a247165" providerId="LiveId" clId="{A8090E92-0C9B-4AA4-8583-C042A5BF1097}" dt="2021-11-03T18:30:36.026" v="14"/>
-            <ac:spMkLst>
-              <pc:docMk/>
-              <pc:sldMasterMk cId="98844404" sldId="2147483672"/>
-              <pc:sldLayoutMk cId="3867132224" sldId="2147483683"/>
-              <ac:spMk id="2" creationId="{00000000-0000-0000-0000-000000000000}"/>
-            </ac:spMkLst>
-          </pc:spChg>
-          <pc:spChg chg="mod">
-            <ac:chgData name="晓波 郭" userId="b52b058d9a247165" providerId="LiveId" clId="{A8090E92-0C9B-4AA4-8583-C042A5BF1097}" dt="2021-11-03T18:30:36.026" v="14"/>
-            <ac:spMkLst>
-              <pc:docMk/>
-              <pc:sldMasterMk cId="98844404" sldId="2147483672"/>
-              <pc:sldLayoutMk cId="3867132224" sldId="2147483683"/>
-              <ac:spMk id="3" creationId="{00000000-0000-0000-0000-000000000000}"/>
-            </ac:spMkLst>
-          </pc:spChg>
-        </pc:sldLayoutChg>
-      </pc:sldMasterChg>
-    </pc:docChg>
-  </pc:docChgLst>
-</pc:chgInfo>
-</file>
-
 <file path=ppt/slideLayouts/slideLayout1.xml><?xml version="1.0" encoding="utf-8"?>
 <p:sldLayout xmlns:a="http://schemas.openxmlformats.org/drawingml/2006/main" xmlns:r="http://schemas.openxmlformats.org/officeDocument/2006/relationships" xmlns:p="http://schemas.openxmlformats.org/presentationml/2006/main" type="title" preserve="1">
   <p:cSld name="标题幻灯片">
@@ -1433,7 +247,7 @@
           <a:p>
             <a:fld id="{1F3A71B1-A897-4EAA-AC66-7403F746BD51}" type="datetimeFigureOut">
               <a:rPr lang="zh-CN" altLang="en-US" smtClean="0"/>
-              <a:t>2022/3/7</a:t>
+              <a:t>2022/5/22</a:t>
             </a:fld>
             <a:endParaRPr lang="zh-CN" altLang="en-US"/>
           </a:p>
@@ -1603,7 +417,7 @@
           <a:p>
             <a:fld id="{1F3A71B1-A897-4EAA-AC66-7403F746BD51}" type="datetimeFigureOut">
               <a:rPr lang="zh-CN" altLang="en-US" smtClean="0"/>
-              <a:t>2022/3/7</a:t>
+              <a:t>2022/5/22</a:t>
             </a:fld>
             <a:endParaRPr lang="zh-CN" altLang="en-US"/>
           </a:p>
@@ -1783,7 +597,7 @@
           <a:p>
             <a:fld id="{1F3A71B1-A897-4EAA-AC66-7403F746BD51}" type="datetimeFigureOut">
               <a:rPr lang="zh-CN" altLang="en-US" smtClean="0"/>
-              <a:t>2022/3/7</a:t>
+              <a:t>2022/5/22</a:t>
             </a:fld>
             <a:endParaRPr lang="zh-CN" altLang="en-US"/>
           </a:p>
@@ -1953,7 +767,7 @@
           <a:p>
             <a:fld id="{1F3A71B1-A897-4EAA-AC66-7403F746BD51}" type="datetimeFigureOut">
               <a:rPr lang="zh-CN" altLang="en-US" smtClean="0"/>
-              <a:t>2022/3/7</a:t>
+              <a:t>2022/5/22</a:t>
             </a:fld>
             <a:endParaRPr lang="zh-CN" altLang="en-US"/>
           </a:p>
@@ -2199,7 +1013,7 @@
           <a:p>
             <a:fld id="{1F3A71B1-A897-4EAA-AC66-7403F746BD51}" type="datetimeFigureOut">
               <a:rPr lang="zh-CN" altLang="en-US" smtClean="0"/>
-              <a:t>2022/3/7</a:t>
+              <a:t>2022/5/22</a:t>
             </a:fld>
             <a:endParaRPr lang="zh-CN" altLang="en-US"/>
           </a:p>
@@ -2431,7 +1245,7 @@
           <a:p>
             <a:fld id="{1F3A71B1-A897-4EAA-AC66-7403F746BD51}" type="datetimeFigureOut">
               <a:rPr lang="zh-CN" altLang="en-US" smtClean="0"/>
-              <a:t>2022/3/7</a:t>
+              <a:t>2022/5/22</a:t>
             </a:fld>
             <a:endParaRPr lang="zh-CN" altLang="en-US"/>
           </a:p>
@@ -2798,7 +1612,7 @@
           <a:p>
             <a:fld id="{1F3A71B1-A897-4EAA-AC66-7403F746BD51}" type="datetimeFigureOut">
               <a:rPr lang="zh-CN" altLang="en-US" smtClean="0"/>
-              <a:t>2022/3/7</a:t>
+              <a:t>2022/5/22</a:t>
             </a:fld>
             <a:endParaRPr lang="zh-CN" altLang="en-US"/>
           </a:p>
@@ -2916,7 +1730,7 @@
           <a:p>
             <a:fld id="{1F3A71B1-A897-4EAA-AC66-7403F746BD51}" type="datetimeFigureOut">
               <a:rPr lang="zh-CN" altLang="en-US" smtClean="0"/>
-              <a:t>2022/3/7</a:t>
+              <a:t>2022/5/22</a:t>
             </a:fld>
             <a:endParaRPr lang="zh-CN" altLang="en-US"/>
           </a:p>
@@ -3011,7 +1825,7 @@
           <a:p>
             <a:fld id="{1F3A71B1-A897-4EAA-AC66-7403F746BD51}" type="datetimeFigureOut">
               <a:rPr lang="zh-CN" altLang="en-US" smtClean="0"/>
-              <a:t>2022/3/7</a:t>
+              <a:t>2022/5/22</a:t>
             </a:fld>
             <a:endParaRPr lang="zh-CN" altLang="en-US"/>
           </a:p>
@@ -3288,7 +2102,7 @@
           <a:p>
             <a:fld id="{1F3A71B1-A897-4EAA-AC66-7403F746BD51}" type="datetimeFigureOut">
               <a:rPr lang="zh-CN" altLang="en-US" smtClean="0"/>
-              <a:t>2022/3/7</a:t>
+              <a:t>2022/5/22</a:t>
             </a:fld>
             <a:endParaRPr lang="zh-CN" altLang="en-US"/>
           </a:p>
@@ -3545,7 +2359,7 @@
           <a:p>
             <a:fld id="{1F3A71B1-A897-4EAA-AC66-7403F746BD51}" type="datetimeFigureOut">
               <a:rPr lang="zh-CN" altLang="en-US" smtClean="0"/>
-              <a:t>2022/3/7</a:t>
+              <a:t>2022/5/22</a:t>
             </a:fld>
             <a:endParaRPr lang="zh-CN" altLang="en-US"/>
           </a:p>
@@ -3758,7 +2572,7 @@
           <a:p>
             <a:fld id="{1F3A71B1-A897-4EAA-AC66-7403F746BD51}" type="datetimeFigureOut">
               <a:rPr lang="zh-CN" altLang="en-US" smtClean="0"/>
-              <a:t>2022/3/7</a:t>
+              <a:t>2022/5/22</a:t>
             </a:fld>
             <a:endParaRPr lang="zh-CN" altLang="en-US"/>
           </a:p>
@@ -8729,6 +7543,2082 @@
 </p:sld>
 </file>
 
+<file path=ppt/slides/slide3.xml><?xml version="1.0" encoding="utf-8"?>
+<p:sld xmlns:a="http://schemas.openxmlformats.org/drawingml/2006/main" xmlns:r="http://schemas.openxmlformats.org/officeDocument/2006/relationships" xmlns:p="http://schemas.openxmlformats.org/presentationml/2006/main">
+  <p:cSld>
+    <p:spTree>
+      <p:nvGrpSpPr>
+        <p:cNvPr id="1" name=""/>
+        <p:cNvGrpSpPr/>
+        <p:nvPr/>
+      </p:nvGrpSpPr>
+      <p:grpSpPr>
+        <a:xfrm>
+          <a:off x="0" y="0"/>
+          <a:ext cx="0" cy="0"/>
+          <a:chOff x="0" y="0"/>
+          <a:chExt cx="0" cy="0"/>
+        </a:xfrm>
+      </p:grpSpPr>
+      <p:sp>
+        <p:nvSpPr>
+          <p:cNvPr id="4" name="矩形 3">
+            <a:extLst>
+              <a:ext uri="{FF2B5EF4-FFF2-40B4-BE49-F238E27FC236}">
+                <a16:creationId xmlns:a16="http://schemas.microsoft.com/office/drawing/2014/main" id="{873830C5-9390-439B-988F-867418881F51}"/>
+              </a:ext>
+            </a:extLst>
+          </p:cNvPr>
+          <p:cNvSpPr/>
+          <p:nvPr/>
+        </p:nvSpPr>
+        <p:spPr>
+          <a:xfrm>
+            <a:off x="7276857" y="2405124"/>
+            <a:ext cx="2750044" cy="1701073"/>
+          </a:xfrm>
+          <a:prstGeom prst="rect">
+            <a:avLst/>
+          </a:prstGeom>
+          <a:solidFill>
+            <a:schemeClr val="accent1">
+              <a:alpha val="80000"/>
+            </a:schemeClr>
+          </a:solidFill>
+        </p:spPr>
+        <p:style>
+          <a:lnRef idx="2">
+            <a:schemeClr val="accent1">
+              <a:shade val="50000"/>
+            </a:schemeClr>
+          </a:lnRef>
+          <a:fillRef idx="1">
+            <a:schemeClr val="accent1"/>
+          </a:fillRef>
+          <a:effectRef idx="0">
+            <a:schemeClr val="accent1"/>
+          </a:effectRef>
+          <a:fontRef idx="minor">
+            <a:schemeClr val="lt1"/>
+          </a:fontRef>
+        </p:style>
+        <p:txBody>
+          <a:bodyPr rtlCol="0" anchor="ctr"/>
+          <a:lstStyle>
+            <a:defPPr>
+              <a:defRPr lang="en-US"/>
+            </a:defPPr>
+            <a:lvl1pPr marL="0" algn="l" defTabSz="457200" rtl="0" eaLnBrk="1" latinLnBrk="0" hangingPunct="1">
+              <a:defRPr sz="1800" kern="1200">
+                <a:solidFill>
+                  <a:schemeClr val="lt1"/>
+                </a:solidFill>
+                <a:latin typeface="+mn-lt"/>
+                <a:ea typeface="+mn-ea"/>
+                <a:cs typeface="+mn-cs"/>
+              </a:defRPr>
+            </a:lvl1pPr>
+            <a:lvl2pPr marL="457200" algn="l" defTabSz="457200" rtl="0" eaLnBrk="1" latinLnBrk="0" hangingPunct="1">
+              <a:defRPr sz="1800" kern="1200">
+                <a:solidFill>
+                  <a:schemeClr val="lt1"/>
+                </a:solidFill>
+                <a:latin typeface="+mn-lt"/>
+                <a:ea typeface="+mn-ea"/>
+                <a:cs typeface="+mn-cs"/>
+              </a:defRPr>
+            </a:lvl2pPr>
+            <a:lvl3pPr marL="914400" algn="l" defTabSz="457200" rtl="0" eaLnBrk="1" latinLnBrk="0" hangingPunct="1">
+              <a:defRPr sz="1800" kern="1200">
+                <a:solidFill>
+                  <a:schemeClr val="lt1"/>
+                </a:solidFill>
+                <a:latin typeface="+mn-lt"/>
+                <a:ea typeface="+mn-ea"/>
+                <a:cs typeface="+mn-cs"/>
+              </a:defRPr>
+            </a:lvl3pPr>
+            <a:lvl4pPr marL="1371600" algn="l" defTabSz="457200" rtl="0" eaLnBrk="1" latinLnBrk="0" hangingPunct="1">
+              <a:defRPr sz="1800" kern="1200">
+                <a:solidFill>
+                  <a:schemeClr val="lt1"/>
+                </a:solidFill>
+                <a:latin typeface="+mn-lt"/>
+                <a:ea typeface="+mn-ea"/>
+                <a:cs typeface="+mn-cs"/>
+              </a:defRPr>
+            </a:lvl4pPr>
+            <a:lvl5pPr marL="1828800" algn="l" defTabSz="457200" rtl="0" eaLnBrk="1" latinLnBrk="0" hangingPunct="1">
+              <a:defRPr sz="1800" kern="1200">
+                <a:solidFill>
+                  <a:schemeClr val="lt1"/>
+                </a:solidFill>
+                <a:latin typeface="+mn-lt"/>
+                <a:ea typeface="+mn-ea"/>
+                <a:cs typeface="+mn-cs"/>
+              </a:defRPr>
+            </a:lvl5pPr>
+            <a:lvl6pPr marL="2286000" algn="l" defTabSz="457200" rtl="0" eaLnBrk="1" latinLnBrk="0" hangingPunct="1">
+              <a:defRPr sz="1800" kern="1200">
+                <a:solidFill>
+                  <a:schemeClr val="lt1"/>
+                </a:solidFill>
+                <a:latin typeface="+mn-lt"/>
+                <a:ea typeface="+mn-ea"/>
+                <a:cs typeface="+mn-cs"/>
+              </a:defRPr>
+            </a:lvl6pPr>
+            <a:lvl7pPr marL="2743200" algn="l" defTabSz="457200" rtl="0" eaLnBrk="1" latinLnBrk="0" hangingPunct="1">
+              <a:defRPr sz="1800" kern="1200">
+                <a:solidFill>
+                  <a:schemeClr val="lt1"/>
+                </a:solidFill>
+                <a:latin typeface="+mn-lt"/>
+                <a:ea typeface="+mn-ea"/>
+                <a:cs typeface="+mn-cs"/>
+              </a:defRPr>
+            </a:lvl7pPr>
+            <a:lvl8pPr marL="3200400" algn="l" defTabSz="457200" rtl="0" eaLnBrk="1" latinLnBrk="0" hangingPunct="1">
+              <a:defRPr sz="1800" kern="1200">
+                <a:solidFill>
+                  <a:schemeClr val="lt1"/>
+                </a:solidFill>
+                <a:latin typeface="+mn-lt"/>
+                <a:ea typeface="+mn-ea"/>
+                <a:cs typeface="+mn-cs"/>
+              </a:defRPr>
+            </a:lvl8pPr>
+            <a:lvl9pPr marL="3657600" algn="l" defTabSz="457200" rtl="0" eaLnBrk="1" latinLnBrk="0" hangingPunct="1">
+              <a:defRPr sz="1800" kern="1200">
+                <a:solidFill>
+                  <a:schemeClr val="lt1"/>
+                </a:solidFill>
+                <a:latin typeface="+mn-lt"/>
+                <a:ea typeface="+mn-ea"/>
+                <a:cs typeface="+mn-cs"/>
+              </a:defRPr>
+            </a:lvl9pPr>
+          </a:lstStyle>
+          <a:p>
+            <a:r>
+              <a:rPr lang="en-US" altLang="zh-CN" sz="2400" b="1" i="0" dirty="0">
+                <a:effectLst/>
+                <a:latin typeface="Arial" panose="020B0604020202020204" pitchFamily="34" charset="0"/>
+              </a:rPr>
+              <a:t>Lead to the end of the [MASK] health insurance market.</a:t>
+            </a:r>
+            <a:endParaRPr lang="zh-CN" altLang="en-US" sz="2400" b="1" dirty="0"/>
+          </a:p>
+        </p:txBody>
+      </p:sp>
+      <p:sp>
+        <p:nvSpPr>
+          <p:cNvPr id="5" name="文本框 46">
+            <a:extLst>
+              <a:ext uri="{FF2B5EF4-FFF2-40B4-BE49-F238E27FC236}">
+                <a16:creationId xmlns:a16="http://schemas.microsoft.com/office/drawing/2014/main" id="{EB11A04A-B529-4977-BA28-0F17BDDC32C5}"/>
+              </a:ext>
+            </a:extLst>
+          </p:cNvPr>
+          <p:cNvSpPr txBox="1"/>
+          <p:nvPr/>
+        </p:nvSpPr>
+        <p:spPr>
+          <a:xfrm>
+            <a:off x="7494184" y="4164120"/>
+            <a:ext cx="2562224" cy="461665"/>
+          </a:xfrm>
+          <a:prstGeom prst="rect">
+            <a:avLst/>
+          </a:prstGeom>
+          <a:noFill/>
+        </p:spPr>
+        <p:txBody>
+          <a:bodyPr wrap="square" rtlCol="0">
+            <a:spAutoFit/>
+          </a:bodyPr>
+          <a:lstStyle>
+            <a:defPPr>
+              <a:defRPr lang="en-US"/>
+            </a:defPPr>
+            <a:lvl1pPr marL="0" algn="l" defTabSz="457200" rtl="0" eaLnBrk="1" latinLnBrk="0" hangingPunct="1">
+              <a:defRPr sz="1800" kern="1200">
+                <a:solidFill>
+                  <a:schemeClr val="tx1"/>
+                </a:solidFill>
+                <a:latin typeface="+mn-lt"/>
+                <a:ea typeface="+mn-ea"/>
+                <a:cs typeface="+mn-cs"/>
+              </a:defRPr>
+            </a:lvl1pPr>
+            <a:lvl2pPr marL="457200" algn="l" defTabSz="457200" rtl="0" eaLnBrk="1" latinLnBrk="0" hangingPunct="1">
+              <a:defRPr sz="1800" kern="1200">
+                <a:solidFill>
+                  <a:schemeClr val="tx1"/>
+                </a:solidFill>
+                <a:latin typeface="+mn-lt"/>
+                <a:ea typeface="+mn-ea"/>
+                <a:cs typeface="+mn-cs"/>
+              </a:defRPr>
+            </a:lvl2pPr>
+            <a:lvl3pPr marL="914400" algn="l" defTabSz="457200" rtl="0" eaLnBrk="1" latinLnBrk="0" hangingPunct="1">
+              <a:defRPr sz="1800" kern="1200">
+                <a:solidFill>
+                  <a:schemeClr val="tx1"/>
+                </a:solidFill>
+                <a:latin typeface="+mn-lt"/>
+                <a:ea typeface="+mn-ea"/>
+                <a:cs typeface="+mn-cs"/>
+              </a:defRPr>
+            </a:lvl3pPr>
+            <a:lvl4pPr marL="1371600" algn="l" defTabSz="457200" rtl="0" eaLnBrk="1" latinLnBrk="0" hangingPunct="1">
+              <a:defRPr sz="1800" kern="1200">
+                <a:solidFill>
+                  <a:schemeClr val="tx1"/>
+                </a:solidFill>
+                <a:latin typeface="+mn-lt"/>
+                <a:ea typeface="+mn-ea"/>
+                <a:cs typeface="+mn-cs"/>
+              </a:defRPr>
+            </a:lvl4pPr>
+            <a:lvl5pPr marL="1828800" algn="l" defTabSz="457200" rtl="0" eaLnBrk="1" latinLnBrk="0" hangingPunct="1">
+              <a:defRPr sz="1800" kern="1200">
+                <a:solidFill>
+                  <a:schemeClr val="tx1"/>
+                </a:solidFill>
+                <a:latin typeface="+mn-lt"/>
+                <a:ea typeface="+mn-ea"/>
+                <a:cs typeface="+mn-cs"/>
+              </a:defRPr>
+            </a:lvl5pPr>
+            <a:lvl6pPr marL="2286000" algn="l" defTabSz="457200" rtl="0" eaLnBrk="1" latinLnBrk="0" hangingPunct="1">
+              <a:defRPr sz="1800" kern="1200">
+                <a:solidFill>
+                  <a:schemeClr val="tx1"/>
+                </a:solidFill>
+                <a:latin typeface="+mn-lt"/>
+                <a:ea typeface="+mn-ea"/>
+                <a:cs typeface="+mn-cs"/>
+              </a:defRPr>
+            </a:lvl6pPr>
+            <a:lvl7pPr marL="2743200" algn="l" defTabSz="457200" rtl="0" eaLnBrk="1" latinLnBrk="0" hangingPunct="1">
+              <a:defRPr sz="1800" kern="1200">
+                <a:solidFill>
+                  <a:schemeClr val="tx1"/>
+                </a:solidFill>
+                <a:latin typeface="+mn-lt"/>
+                <a:ea typeface="+mn-ea"/>
+                <a:cs typeface="+mn-cs"/>
+              </a:defRPr>
+            </a:lvl7pPr>
+            <a:lvl8pPr marL="3200400" algn="l" defTabSz="457200" rtl="0" eaLnBrk="1" latinLnBrk="0" hangingPunct="1">
+              <a:defRPr sz="1800" kern="1200">
+                <a:solidFill>
+                  <a:schemeClr val="tx1"/>
+                </a:solidFill>
+                <a:latin typeface="+mn-lt"/>
+                <a:ea typeface="+mn-ea"/>
+                <a:cs typeface="+mn-cs"/>
+              </a:defRPr>
+            </a:lvl8pPr>
+            <a:lvl9pPr marL="3657600" algn="l" defTabSz="457200" rtl="0" eaLnBrk="1" latinLnBrk="0" hangingPunct="1">
+              <a:defRPr sz="1800" kern="1200">
+                <a:solidFill>
+                  <a:schemeClr val="tx1"/>
+                </a:solidFill>
+                <a:latin typeface="+mn-lt"/>
+                <a:ea typeface="+mn-ea"/>
+                <a:cs typeface="+mn-cs"/>
+              </a:defRPr>
+            </a:lvl9pPr>
+          </a:lstStyle>
+          <a:p>
+            <a:r>
+              <a:rPr lang="en-US" altLang="zh-CN" sz="2400" b="1" dirty="0"/>
+              <a:t>Masked Instance</a:t>
+            </a:r>
+            <a:endParaRPr lang="zh-CN" altLang="en-US" sz="2400" b="1" dirty="0"/>
+          </a:p>
+        </p:txBody>
+      </p:sp>
+      <p:pic>
+        <p:nvPicPr>
+          <p:cNvPr id="6" name="table">
+            <a:extLst>
+              <a:ext uri="{FF2B5EF4-FFF2-40B4-BE49-F238E27FC236}">
+                <a16:creationId xmlns:a16="http://schemas.microsoft.com/office/drawing/2014/main" id="{E8429F91-9A74-DFFE-A663-6A270BA016BA}"/>
+              </a:ext>
+            </a:extLst>
+          </p:cNvPr>
+          <p:cNvPicPr>
+            <a:picLocks noChangeAspect="1"/>
+          </p:cNvPicPr>
+          <p:nvPr/>
+        </p:nvPicPr>
+        <p:blipFill>
+          <a:blip r:embed="rId2"/>
+          <a:stretch>
+            <a:fillRect/>
+          </a:stretch>
+        </p:blipFill>
+        <p:spPr>
+          <a:xfrm>
+            <a:off x="11666267" y="2435855"/>
+            <a:ext cx="3585085" cy="1645920"/>
+          </a:xfrm>
+          <a:prstGeom prst="rect">
+            <a:avLst/>
+          </a:prstGeom>
+        </p:spPr>
+      </p:pic>
+      <p:pic>
+        <p:nvPicPr>
+          <p:cNvPr id="7" name="table">
+            <a:extLst>
+              <a:ext uri="{FF2B5EF4-FFF2-40B4-BE49-F238E27FC236}">
+                <a16:creationId xmlns:a16="http://schemas.microsoft.com/office/drawing/2014/main" id="{2AB9FFE4-A169-0C10-5DA6-159E458FC2FC}"/>
+              </a:ext>
+            </a:extLst>
+          </p:cNvPr>
+          <p:cNvPicPr>
+            <a:picLocks noChangeAspect="1"/>
+          </p:cNvPicPr>
+          <p:nvPr/>
+        </p:nvPicPr>
+        <p:blipFill>
+          <a:blip r:embed="rId3"/>
+          <a:stretch>
+            <a:fillRect/>
+          </a:stretch>
+        </p:blipFill>
+        <p:spPr>
+          <a:xfrm>
+            <a:off x="17582090" y="2561688"/>
+            <a:ext cx="5333715" cy="1371600"/>
+          </a:xfrm>
+          <a:prstGeom prst="rect">
+            <a:avLst/>
+          </a:prstGeom>
+        </p:spPr>
+      </p:pic>
+      <p:cxnSp>
+        <p:nvCxnSpPr>
+          <p:cNvPr id="8" name="直接箭头连接符 7">
+            <a:extLst>
+              <a:ext uri="{FF2B5EF4-FFF2-40B4-BE49-F238E27FC236}">
+                <a16:creationId xmlns:a16="http://schemas.microsoft.com/office/drawing/2014/main" id="{05437991-C07D-4CD3-9B46-06C7E3939E37}"/>
+              </a:ext>
+            </a:extLst>
+          </p:cNvPr>
+          <p:cNvCxnSpPr>
+            <a:cxnSpLocks/>
+            <a:stCxn id="4" idx="3"/>
+          </p:cNvCxnSpPr>
+          <p:nvPr/>
+        </p:nvCxnSpPr>
+        <p:spPr>
+          <a:xfrm>
+            <a:off x="10026901" y="3255661"/>
+            <a:ext cx="1639366" cy="3154"/>
+          </a:xfrm>
+          <a:prstGeom prst="straightConnector1">
+            <a:avLst/>
+          </a:prstGeom>
+          <a:ln w="38100">
+            <a:tailEnd type="triangle"/>
+          </a:ln>
+        </p:spPr>
+        <p:style>
+          <a:lnRef idx="1">
+            <a:schemeClr val="accent1"/>
+          </a:lnRef>
+          <a:fillRef idx="0">
+            <a:schemeClr val="accent1"/>
+          </a:fillRef>
+          <a:effectRef idx="0">
+            <a:schemeClr val="accent1"/>
+          </a:effectRef>
+          <a:fontRef idx="minor">
+            <a:schemeClr val="tx1"/>
+          </a:fontRef>
+        </p:style>
+      </p:cxnSp>
+      <p:cxnSp>
+        <p:nvCxnSpPr>
+          <p:cNvPr id="9" name="直接箭头连接符 8">
+            <a:extLst>
+              <a:ext uri="{FF2B5EF4-FFF2-40B4-BE49-F238E27FC236}">
+                <a16:creationId xmlns:a16="http://schemas.microsoft.com/office/drawing/2014/main" id="{AD69E1AB-5539-410F-A056-0D7938E08180}"/>
+              </a:ext>
+            </a:extLst>
+          </p:cNvPr>
+          <p:cNvCxnSpPr>
+            <a:cxnSpLocks/>
+          </p:cNvCxnSpPr>
+          <p:nvPr/>
+        </p:nvCxnSpPr>
+        <p:spPr>
+          <a:xfrm flipV="1">
+            <a:off x="15251352" y="3247488"/>
+            <a:ext cx="2301231" cy="11327"/>
+          </a:xfrm>
+          <a:prstGeom prst="straightConnector1">
+            <a:avLst/>
+          </a:prstGeom>
+          <a:ln w="38100">
+            <a:tailEnd type="triangle"/>
+          </a:ln>
+        </p:spPr>
+        <p:style>
+          <a:lnRef idx="1">
+            <a:schemeClr val="accent1"/>
+          </a:lnRef>
+          <a:fillRef idx="0">
+            <a:schemeClr val="accent1"/>
+          </a:fillRef>
+          <a:effectRef idx="0">
+            <a:schemeClr val="accent1"/>
+          </a:effectRef>
+          <a:fontRef idx="minor">
+            <a:schemeClr val="tx1"/>
+          </a:fontRef>
+        </p:style>
+      </p:cxnSp>
+      <p:sp>
+        <p:nvSpPr>
+          <p:cNvPr id="10" name="文本框 85">
+            <a:extLst>
+              <a:ext uri="{FF2B5EF4-FFF2-40B4-BE49-F238E27FC236}">
+                <a16:creationId xmlns:a16="http://schemas.microsoft.com/office/drawing/2014/main" id="{C3B9B8A7-28A2-4B70-9A2A-4BB8CE9353A5}"/>
+              </a:ext>
+            </a:extLst>
+          </p:cNvPr>
+          <p:cNvSpPr txBox="1"/>
+          <p:nvPr/>
+        </p:nvSpPr>
+        <p:spPr>
+          <a:xfrm>
+            <a:off x="10056408" y="2232215"/>
+            <a:ext cx="1609859" cy="830997"/>
+          </a:xfrm>
+          <a:prstGeom prst="rect">
+            <a:avLst/>
+          </a:prstGeom>
+          <a:noFill/>
+        </p:spPr>
+        <p:txBody>
+          <a:bodyPr wrap="square" rtlCol="0">
+            <a:spAutoFit/>
+          </a:bodyPr>
+          <a:lstStyle>
+            <a:defPPr>
+              <a:defRPr lang="en-US"/>
+            </a:defPPr>
+            <a:lvl1pPr marL="0" algn="l" defTabSz="457200" rtl="0" eaLnBrk="1" latinLnBrk="0" hangingPunct="1">
+              <a:defRPr sz="1800" kern="1200">
+                <a:solidFill>
+                  <a:schemeClr val="tx1"/>
+                </a:solidFill>
+                <a:latin typeface="+mn-lt"/>
+                <a:ea typeface="+mn-ea"/>
+                <a:cs typeface="+mn-cs"/>
+              </a:defRPr>
+            </a:lvl1pPr>
+            <a:lvl2pPr marL="457200" algn="l" defTabSz="457200" rtl="0" eaLnBrk="1" latinLnBrk="0" hangingPunct="1">
+              <a:defRPr sz="1800" kern="1200">
+                <a:solidFill>
+                  <a:schemeClr val="tx1"/>
+                </a:solidFill>
+                <a:latin typeface="+mn-lt"/>
+                <a:ea typeface="+mn-ea"/>
+                <a:cs typeface="+mn-cs"/>
+              </a:defRPr>
+            </a:lvl2pPr>
+            <a:lvl3pPr marL="914400" algn="l" defTabSz="457200" rtl="0" eaLnBrk="1" latinLnBrk="0" hangingPunct="1">
+              <a:defRPr sz="1800" kern="1200">
+                <a:solidFill>
+                  <a:schemeClr val="tx1"/>
+                </a:solidFill>
+                <a:latin typeface="+mn-lt"/>
+                <a:ea typeface="+mn-ea"/>
+                <a:cs typeface="+mn-cs"/>
+              </a:defRPr>
+            </a:lvl3pPr>
+            <a:lvl4pPr marL="1371600" algn="l" defTabSz="457200" rtl="0" eaLnBrk="1" latinLnBrk="0" hangingPunct="1">
+              <a:defRPr sz="1800" kern="1200">
+                <a:solidFill>
+                  <a:schemeClr val="tx1"/>
+                </a:solidFill>
+                <a:latin typeface="+mn-lt"/>
+                <a:ea typeface="+mn-ea"/>
+                <a:cs typeface="+mn-cs"/>
+              </a:defRPr>
+            </a:lvl4pPr>
+            <a:lvl5pPr marL="1828800" algn="l" defTabSz="457200" rtl="0" eaLnBrk="1" latinLnBrk="0" hangingPunct="1">
+              <a:defRPr sz="1800" kern="1200">
+                <a:solidFill>
+                  <a:schemeClr val="tx1"/>
+                </a:solidFill>
+                <a:latin typeface="+mn-lt"/>
+                <a:ea typeface="+mn-ea"/>
+                <a:cs typeface="+mn-cs"/>
+              </a:defRPr>
+            </a:lvl5pPr>
+            <a:lvl6pPr marL="2286000" algn="l" defTabSz="457200" rtl="0" eaLnBrk="1" latinLnBrk="0" hangingPunct="1">
+              <a:defRPr sz="1800" kern="1200">
+                <a:solidFill>
+                  <a:schemeClr val="tx1"/>
+                </a:solidFill>
+                <a:latin typeface="+mn-lt"/>
+                <a:ea typeface="+mn-ea"/>
+                <a:cs typeface="+mn-cs"/>
+              </a:defRPr>
+            </a:lvl6pPr>
+            <a:lvl7pPr marL="2743200" algn="l" defTabSz="457200" rtl="0" eaLnBrk="1" latinLnBrk="0" hangingPunct="1">
+              <a:defRPr sz="1800" kern="1200">
+                <a:solidFill>
+                  <a:schemeClr val="tx1"/>
+                </a:solidFill>
+                <a:latin typeface="+mn-lt"/>
+                <a:ea typeface="+mn-ea"/>
+                <a:cs typeface="+mn-cs"/>
+              </a:defRPr>
+            </a:lvl7pPr>
+            <a:lvl8pPr marL="3200400" algn="l" defTabSz="457200" rtl="0" eaLnBrk="1" latinLnBrk="0" hangingPunct="1">
+              <a:defRPr sz="1800" kern="1200">
+                <a:solidFill>
+                  <a:schemeClr val="tx1"/>
+                </a:solidFill>
+                <a:latin typeface="+mn-lt"/>
+                <a:ea typeface="+mn-ea"/>
+                <a:cs typeface="+mn-cs"/>
+              </a:defRPr>
+            </a:lvl8pPr>
+            <a:lvl9pPr marL="3657600" algn="l" defTabSz="457200" rtl="0" eaLnBrk="1" latinLnBrk="0" hangingPunct="1">
+              <a:defRPr sz="1800" kern="1200">
+                <a:solidFill>
+                  <a:schemeClr val="tx1"/>
+                </a:solidFill>
+                <a:latin typeface="+mn-lt"/>
+                <a:ea typeface="+mn-ea"/>
+                <a:cs typeface="+mn-cs"/>
+              </a:defRPr>
+            </a:lvl9pPr>
+          </a:lstStyle>
+          <a:p>
+            <a:r>
+              <a:rPr lang="en-US" altLang="zh-CN" sz="2400" b="1" dirty="0"/>
+              <a:t>Fine-tuned </a:t>
+            </a:r>
+          </a:p>
+          <a:p>
+            <a:r>
+              <a:rPr lang="en-US" altLang="zh-CN" sz="2400" b="1" dirty="0"/>
+              <a:t>LM</a:t>
+            </a:r>
+            <a:endParaRPr lang="zh-CN" altLang="en-US" sz="2400" b="1" dirty="0"/>
+          </a:p>
+        </p:txBody>
+      </p:sp>
+      <p:sp>
+        <p:nvSpPr>
+          <p:cNvPr id="11" name="文本框 96">
+            <a:extLst>
+              <a:ext uri="{FF2B5EF4-FFF2-40B4-BE49-F238E27FC236}">
+                <a16:creationId xmlns:a16="http://schemas.microsoft.com/office/drawing/2014/main" id="{5CD02FBA-FA41-4081-88EB-15EC4D8903D1}"/>
+              </a:ext>
+            </a:extLst>
+          </p:cNvPr>
+          <p:cNvSpPr txBox="1"/>
+          <p:nvPr/>
+        </p:nvSpPr>
+        <p:spPr>
+          <a:xfrm>
+            <a:off x="15247533" y="2424664"/>
+            <a:ext cx="2305050" cy="830997"/>
+          </a:xfrm>
+          <a:prstGeom prst="rect">
+            <a:avLst/>
+          </a:prstGeom>
+          <a:noFill/>
+        </p:spPr>
+        <p:txBody>
+          <a:bodyPr wrap="square" rtlCol="0">
+            <a:spAutoFit/>
+          </a:bodyPr>
+          <a:lstStyle>
+            <a:defPPr>
+              <a:defRPr lang="en-US"/>
+            </a:defPPr>
+            <a:lvl1pPr marL="0" algn="l" defTabSz="457200" rtl="0" eaLnBrk="1" latinLnBrk="0" hangingPunct="1">
+              <a:defRPr sz="1800" kern="1200">
+                <a:solidFill>
+                  <a:schemeClr val="tx1"/>
+                </a:solidFill>
+                <a:latin typeface="+mn-lt"/>
+                <a:ea typeface="+mn-ea"/>
+                <a:cs typeface="+mn-cs"/>
+              </a:defRPr>
+            </a:lvl1pPr>
+            <a:lvl2pPr marL="457200" algn="l" defTabSz="457200" rtl="0" eaLnBrk="1" latinLnBrk="0" hangingPunct="1">
+              <a:defRPr sz="1800" kern="1200">
+                <a:solidFill>
+                  <a:schemeClr val="tx1"/>
+                </a:solidFill>
+                <a:latin typeface="+mn-lt"/>
+                <a:ea typeface="+mn-ea"/>
+                <a:cs typeface="+mn-cs"/>
+              </a:defRPr>
+            </a:lvl2pPr>
+            <a:lvl3pPr marL="914400" algn="l" defTabSz="457200" rtl="0" eaLnBrk="1" latinLnBrk="0" hangingPunct="1">
+              <a:defRPr sz="1800" kern="1200">
+                <a:solidFill>
+                  <a:schemeClr val="tx1"/>
+                </a:solidFill>
+                <a:latin typeface="+mn-lt"/>
+                <a:ea typeface="+mn-ea"/>
+                <a:cs typeface="+mn-cs"/>
+              </a:defRPr>
+            </a:lvl3pPr>
+            <a:lvl4pPr marL="1371600" algn="l" defTabSz="457200" rtl="0" eaLnBrk="1" latinLnBrk="0" hangingPunct="1">
+              <a:defRPr sz="1800" kern="1200">
+                <a:solidFill>
+                  <a:schemeClr val="tx1"/>
+                </a:solidFill>
+                <a:latin typeface="+mn-lt"/>
+                <a:ea typeface="+mn-ea"/>
+                <a:cs typeface="+mn-cs"/>
+              </a:defRPr>
+            </a:lvl4pPr>
+            <a:lvl5pPr marL="1828800" algn="l" defTabSz="457200" rtl="0" eaLnBrk="1" latinLnBrk="0" hangingPunct="1">
+              <a:defRPr sz="1800" kern="1200">
+                <a:solidFill>
+                  <a:schemeClr val="tx1"/>
+                </a:solidFill>
+                <a:latin typeface="+mn-lt"/>
+                <a:ea typeface="+mn-ea"/>
+                <a:cs typeface="+mn-cs"/>
+              </a:defRPr>
+            </a:lvl5pPr>
+            <a:lvl6pPr marL="2286000" algn="l" defTabSz="457200" rtl="0" eaLnBrk="1" latinLnBrk="0" hangingPunct="1">
+              <a:defRPr sz="1800" kern="1200">
+                <a:solidFill>
+                  <a:schemeClr val="tx1"/>
+                </a:solidFill>
+                <a:latin typeface="+mn-lt"/>
+                <a:ea typeface="+mn-ea"/>
+                <a:cs typeface="+mn-cs"/>
+              </a:defRPr>
+            </a:lvl6pPr>
+            <a:lvl7pPr marL="2743200" algn="l" defTabSz="457200" rtl="0" eaLnBrk="1" latinLnBrk="0" hangingPunct="1">
+              <a:defRPr sz="1800" kern="1200">
+                <a:solidFill>
+                  <a:schemeClr val="tx1"/>
+                </a:solidFill>
+                <a:latin typeface="+mn-lt"/>
+                <a:ea typeface="+mn-ea"/>
+                <a:cs typeface="+mn-cs"/>
+              </a:defRPr>
+            </a:lvl7pPr>
+            <a:lvl8pPr marL="3200400" algn="l" defTabSz="457200" rtl="0" eaLnBrk="1" latinLnBrk="0" hangingPunct="1">
+              <a:defRPr sz="1800" kern="1200">
+                <a:solidFill>
+                  <a:schemeClr val="tx1"/>
+                </a:solidFill>
+                <a:latin typeface="+mn-lt"/>
+                <a:ea typeface="+mn-ea"/>
+                <a:cs typeface="+mn-cs"/>
+              </a:defRPr>
+            </a:lvl8pPr>
+            <a:lvl9pPr marL="3657600" algn="l" defTabSz="457200" rtl="0" eaLnBrk="1" latinLnBrk="0" hangingPunct="1">
+              <a:defRPr sz="1800" kern="1200">
+                <a:solidFill>
+                  <a:schemeClr val="tx1"/>
+                </a:solidFill>
+                <a:latin typeface="+mn-lt"/>
+                <a:ea typeface="+mn-ea"/>
+                <a:cs typeface="+mn-cs"/>
+              </a:defRPr>
+            </a:lvl9pPr>
+          </a:lstStyle>
+          <a:p>
+            <a:r>
+              <a:rPr lang="en-US" altLang="zh-CN" sz="2400" b="1" dirty="0"/>
+              <a:t>Representation Generator</a:t>
+            </a:r>
+            <a:endParaRPr lang="zh-CN" altLang="en-US" sz="2400" b="1" dirty="0"/>
+          </a:p>
+        </p:txBody>
+      </p:sp>
+      <p:sp>
+        <p:nvSpPr>
+          <p:cNvPr id="12" name="文本框 123">
+            <a:extLst>
+              <a:ext uri="{FF2B5EF4-FFF2-40B4-BE49-F238E27FC236}">
+                <a16:creationId xmlns:a16="http://schemas.microsoft.com/office/drawing/2014/main" id="{9B615681-F1A3-4E73-9069-41B226BABC60}"/>
+              </a:ext>
+            </a:extLst>
+          </p:cNvPr>
+          <p:cNvSpPr txBox="1"/>
+          <p:nvPr/>
+        </p:nvSpPr>
+        <p:spPr>
+          <a:xfrm>
+            <a:off x="12942483" y="4081775"/>
+            <a:ext cx="2305050" cy="461665"/>
+          </a:xfrm>
+          <a:prstGeom prst="rect">
+            <a:avLst/>
+          </a:prstGeom>
+          <a:noFill/>
+        </p:spPr>
+        <p:txBody>
+          <a:bodyPr wrap="square" rtlCol="0">
+            <a:spAutoFit/>
+          </a:bodyPr>
+          <a:lstStyle>
+            <a:defPPr>
+              <a:defRPr lang="en-US"/>
+            </a:defPPr>
+            <a:lvl1pPr marL="0" algn="l" defTabSz="457200" rtl="0" eaLnBrk="1" latinLnBrk="0" hangingPunct="1">
+              <a:defRPr sz="1800" kern="1200">
+                <a:solidFill>
+                  <a:schemeClr val="tx1"/>
+                </a:solidFill>
+                <a:latin typeface="+mn-lt"/>
+                <a:ea typeface="+mn-ea"/>
+                <a:cs typeface="+mn-cs"/>
+              </a:defRPr>
+            </a:lvl1pPr>
+            <a:lvl2pPr marL="457200" algn="l" defTabSz="457200" rtl="0" eaLnBrk="1" latinLnBrk="0" hangingPunct="1">
+              <a:defRPr sz="1800" kern="1200">
+                <a:solidFill>
+                  <a:schemeClr val="tx1"/>
+                </a:solidFill>
+                <a:latin typeface="+mn-lt"/>
+                <a:ea typeface="+mn-ea"/>
+                <a:cs typeface="+mn-cs"/>
+              </a:defRPr>
+            </a:lvl2pPr>
+            <a:lvl3pPr marL="914400" algn="l" defTabSz="457200" rtl="0" eaLnBrk="1" latinLnBrk="0" hangingPunct="1">
+              <a:defRPr sz="1800" kern="1200">
+                <a:solidFill>
+                  <a:schemeClr val="tx1"/>
+                </a:solidFill>
+                <a:latin typeface="+mn-lt"/>
+                <a:ea typeface="+mn-ea"/>
+                <a:cs typeface="+mn-cs"/>
+              </a:defRPr>
+            </a:lvl3pPr>
+            <a:lvl4pPr marL="1371600" algn="l" defTabSz="457200" rtl="0" eaLnBrk="1" latinLnBrk="0" hangingPunct="1">
+              <a:defRPr sz="1800" kern="1200">
+                <a:solidFill>
+                  <a:schemeClr val="tx1"/>
+                </a:solidFill>
+                <a:latin typeface="+mn-lt"/>
+                <a:ea typeface="+mn-ea"/>
+                <a:cs typeface="+mn-cs"/>
+              </a:defRPr>
+            </a:lvl4pPr>
+            <a:lvl5pPr marL="1828800" algn="l" defTabSz="457200" rtl="0" eaLnBrk="1" latinLnBrk="0" hangingPunct="1">
+              <a:defRPr sz="1800" kern="1200">
+                <a:solidFill>
+                  <a:schemeClr val="tx1"/>
+                </a:solidFill>
+                <a:latin typeface="+mn-lt"/>
+                <a:ea typeface="+mn-ea"/>
+                <a:cs typeface="+mn-cs"/>
+              </a:defRPr>
+            </a:lvl5pPr>
+            <a:lvl6pPr marL="2286000" algn="l" defTabSz="457200" rtl="0" eaLnBrk="1" latinLnBrk="0" hangingPunct="1">
+              <a:defRPr sz="1800" kern="1200">
+                <a:solidFill>
+                  <a:schemeClr val="tx1"/>
+                </a:solidFill>
+                <a:latin typeface="+mn-lt"/>
+                <a:ea typeface="+mn-ea"/>
+                <a:cs typeface="+mn-cs"/>
+              </a:defRPr>
+            </a:lvl6pPr>
+            <a:lvl7pPr marL="2743200" algn="l" defTabSz="457200" rtl="0" eaLnBrk="1" latinLnBrk="0" hangingPunct="1">
+              <a:defRPr sz="1800" kern="1200">
+                <a:solidFill>
+                  <a:schemeClr val="tx1"/>
+                </a:solidFill>
+                <a:latin typeface="+mn-lt"/>
+                <a:ea typeface="+mn-ea"/>
+                <a:cs typeface="+mn-cs"/>
+              </a:defRPr>
+            </a:lvl7pPr>
+            <a:lvl8pPr marL="3200400" algn="l" defTabSz="457200" rtl="0" eaLnBrk="1" latinLnBrk="0" hangingPunct="1">
+              <a:defRPr sz="1800" kern="1200">
+                <a:solidFill>
+                  <a:schemeClr val="tx1"/>
+                </a:solidFill>
+                <a:latin typeface="+mn-lt"/>
+                <a:ea typeface="+mn-ea"/>
+                <a:cs typeface="+mn-cs"/>
+              </a:defRPr>
+            </a:lvl8pPr>
+            <a:lvl9pPr marL="3657600" algn="l" defTabSz="457200" rtl="0" eaLnBrk="1" latinLnBrk="0" hangingPunct="1">
+              <a:defRPr sz="1800" kern="1200">
+                <a:solidFill>
+                  <a:schemeClr val="tx1"/>
+                </a:solidFill>
+                <a:latin typeface="+mn-lt"/>
+                <a:ea typeface="+mn-ea"/>
+                <a:cs typeface="+mn-cs"/>
+              </a:defRPr>
+            </a:lvl9pPr>
+          </a:lstStyle>
+          <a:p>
+            <a:r>
+              <a:rPr lang="en-US" altLang="zh-CN" sz="2400" b="1" dirty="0"/>
+              <a:t>Predicted Token</a:t>
+            </a:r>
+            <a:endParaRPr lang="zh-CN" altLang="en-US" sz="2400" b="1" dirty="0"/>
+          </a:p>
+        </p:txBody>
+      </p:sp>
+      <p:sp>
+        <p:nvSpPr>
+          <p:cNvPr id="13" name="文本框 125">
+            <a:extLst>
+              <a:ext uri="{FF2B5EF4-FFF2-40B4-BE49-F238E27FC236}">
+                <a16:creationId xmlns:a16="http://schemas.microsoft.com/office/drawing/2014/main" id="{78862DCB-7FC1-4F8C-8615-9724D7D3BDCE}"/>
+              </a:ext>
+            </a:extLst>
+          </p:cNvPr>
+          <p:cNvSpPr txBox="1"/>
+          <p:nvPr/>
+        </p:nvSpPr>
+        <p:spPr>
+          <a:xfrm>
+            <a:off x="18921325" y="3933288"/>
+            <a:ext cx="2305050" cy="461665"/>
+          </a:xfrm>
+          <a:prstGeom prst="rect">
+            <a:avLst/>
+          </a:prstGeom>
+          <a:noFill/>
+        </p:spPr>
+        <p:txBody>
+          <a:bodyPr wrap="square" rtlCol="0">
+            <a:spAutoFit/>
+          </a:bodyPr>
+          <a:lstStyle>
+            <a:defPPr>
+              <a:defRPr lang="en-US"/>
+            </a:defPPr>
+            <a:lvl1pPr marL="0" algn="l" defTabSz="457200" rtl="0" eaLnBrk="1" latinLnBrk="0" hangingPunct="1">
+              <a:defRPr sz="1800" kern="1200">
+                <a:solidFill>
+                  <a:schemeClr val="tx1"/>
+                </a:solidFill>
+                <a:latin typeface="+mn-lt"/>
+                <a:ea typeface="+mn-ea"/>
+                <a:cs typeface="+mn-cs"/>
+              </a:defRPr>
+            </a:lvl1pPr>
+            <a:lvl2pPr marL="457200" algn="l" defTabSz="457200" rtl="0" eaLnBrk="1" latinLnBrk="0" hangingPunct="1">
+              <a:defRPr sz="1800" kern="1200">
+                <a:solidFill>
+                  <a:schemeClr val="tx1"/>
+                </a:solidFill>
+                <a:latin typeface="+mn-lt"/>
+                <a:ea typeface="+mn-ea"/>
+                <a:cs typeface="+mn-cs"/>
+              </a:defRPr>
+            </a:lvl2pPr>
+            <a:lvl3pPr marL="914400" algn="l" defTabSz="457200" rtl="0" eaLnBrk="1" latinLnBrk="0" hangingPunct="1">
+              <a:defRPr sz="1800" kern="1200">
+                <a:solidFill>
+                  <a:schemeClr val="tx1"/>
+                </a:solidFill>
+                <a:latin typeface="+mn-lt"/>
+                <a:ea typeface="+mn-ea"/>
+                <a:cs typeface="+mn-cs"/>
+              </a:defRPr>
+            </a:lvl3pPr>
+            <a:lvl4pPr marL="1371600" algn="l" defTabSz="457200" rtl="0" eaLnBrk="1" latinLnBrk="0" hangingPunct="1">
+              <a:defRPr sz="1800" kern="1200">
+                <a:solidFill>
+                  <a:schemeClr val="tx1"/>
+                </a:solidFill>
+                <a:latin typeface="+mn-lt"/>
+                <a:ea typeface="+mn-ea"/>
+                <a:cs typeface="+mn-cs"/>
+              </a:defRPr>
+            </a:lvl4pPr>
+            <a:lvl5pPr marL="1828800" algn="l" defTabSz="457200" rtl="0" eaLnBrk="1" latinLnBrk="0" hangingPunct="1">
+              <a:defRPr sz="1800" kern="1200">
+                <a:solidFill>
+                  <a:schemeClr val="tx1"/>
+                </a:solidFill>
+                <a:latin typeface="+mn-lt"/>
+                <a:ea typeface="+mn-ea"/>
+                <a:cs typeface="+mn-cs"/>
+              </a:defRPr>
+            </a:lvl5pPr>
+            <a:lvl6pPr marL="2286000" algn="l" defTabSz="457200" rtl="0" eaLnBrk="1" latinLnBrk="0" hangingPunct="1">
+              <a:defRPr sz="1800" kern="1200">
+                <a:solidFill>
+                  <a:schemeClr val="tx1"/>
+                </a:solidFill>
+                <a:latin typeface="+mn-lt"/>
+                <a:ea typeface="+mn-ea"/>
+                <a:cs typeface="+mn-cs"/>
+              </a:defRPr>
+            </a:lvl6pPr>
+            <a:lvl7pPr marL="2743200" algn="l" defTabSz="457200" rtl="0" eaLnBrk="1" latinLnBrk="0" hangingPunct="1">
+              <a:defRPr sz="1800" kern="1200">
+                <a:solidFill>
+                  <a:schemeClr val="tx1"/>
+                </a:solidFill>
+                <a:latin typeface="+mn-lt"/>
+                <a:ea typeface="+mn-ea"/>
+                <a:cs typeface="+mn-cs"/>
+              </a:defRPr>
+            </a:lvl7pPr>
+            <a:lvl8pPr marL="3200400" algn="l" defTabSz="457200" rtl="0" eaLnBrk="1" latinLnBrk="0" hangingPunct="1">
+              <a:defRPr sz="1800" kern="1200">
+                <a:solidFill>
+                  <a:schemeClr val="tx1"/>
+                </a:solidFill>
+                <a:latin typeface="+mn-lt"/>
+                <a:ea typeface="+mn-ea"/>
+                <a:cs typeface="+mn-cs"/>
+              </a:defRPr>
+            </a:lvl8pPr>
+            <a:lvl9pPr marL="3657600" algn="l" defTabSz="457200" rtl="0" eaLnBrk="1" latinLnBrk="0" hangingPunct="1">
+              <a:defRPr sz="1800" kern="1200">
+                <a:solidFill>
+                  <a:schemeClr val="tx1"/>
+                </a:solidFill>
+                <a:latin typeface="+mn-lt"/>
+                <a:ea typeface="+mn-ea"/>
+                <a:cs typeface="+mn-cs"/>
+              </a:defRPr>
+            </a:lvl9pPr>
+          </a:lstStyle>
+          <a:p>
+            <a:r>
+              <a:rPr lang="en-US" altLang="zh-CN" sz="2400" b="1" dirty="0"/>
+              <a:t>Instance Vector</a:t>
+            </a:r>
+            <a:endParaRPr lang="zh-CN" altLang="en-US" sz="2400" b="1" dirty="0"/>
+          </a:p>
+        </p:txBody>
+      </p:sp>
+    </p:spTree>
+    <p:extLst>
+      <p:ext uri="{BB962C8B-B14F-4D97-AF65-F5344CB8AC3E}">
+        <p14:creationId xmlns:p14="http://schemas.microsoft.com/office/powerpoint/2010/main" val="209671687"/>
+      </p:ext>
+    </p:extLst>
+  </p:cSld>
+  <p:clrMapOvr>
+    <a:masterClrMapping/>
+  </p:clrMapOvr>
+</p:sld>
+</file>
+
+<file path=ppt/slides/slide4.xml><?xml version="1.0" encoding="utf-8"?>
+<p:sld xmlns:a="http://schemas.openxmlformats.org/drawingml/2006/main" xmlns:r="http://schemas.openxmlformats.org/officeDocument/2006/relationships" xmlns:p="http://schemas.openxmlformats.org/presentationml/2006/main">
+  <p:cSld>
+    <p:spTree>
+      <p:nvGrpSpPr>
+        <p:cNvPr id="1" name=""/>
+        <p:cNvGrpSpPr/>
+        <p:nvPr/>
+      </p:nvGrpSpPr>
+      <p:grpSpPr>
+        <a:xfrm>
+          <a:off x="0" y="0"/>
+          <a:ext cx="0" cy="0"/>
+          <a:chOff x="0" y="0"/>
+          <a:chExt cx="0" cy="0"/>
+        </a:xfrm>
+      </p:grpSpPr>
+      <p:graphicFrame>
+        <p:nvGraphicFramePr>
+          <p:cNvPr id="4" name="表格 4">
+            <a:extLst>
+              <a:ext uri="{FF2B5EF4-FFF2-40B4-BE49-F238E27FC236}">
+                <a16:creationId xmlns:a16="http://schemas.microsoft.com/office/drawing/2014/main" id="{3403A576-58F8-9632-AF53-1402710DD2E0}"/>
+              </a:ext>
+            </a:extLst>
+          </p:cNvPr>
+          <p:cNvGraphicFramePr>
+            <a:graphicFrameLocks noGrp="1"/>
+          </p:cNvGraphicFramePr>
+          <p:nvPr>
+            <p:extLst>
+              <p:ext uri="{D42A27DB-BD31-4B8C-83A1-F6EECF244321}">
+                <p14:modId xmlns:p14="http://schemas.microsoft.com/office/powerpoint/2010/main" val="1441699753"/>
+              </p:ext>
+            </p:extLst>
+          </p:nvPr>
+        </p:nvGraphicFramePr>
+        <p:xfrm>
+          <a:off x="2104061" y="1717867"/>
+          <a:ext cx="10745164" cy="1828800"/>
+        </p:xfrm>
+        <a:graphic>
+          <a:graphicData uri="http://schemas.openxmlformats.org/drawingml/2006/table">
+            <a:tbl>
+              <a:tblPr firstRow="1" bandRow="1">
+                <a:tableStyleId>{5C22544A-7EE6-4342-B048-85BDC9FD1C3A}</a:tableStyleId>
+              </a:tblPr>
+              <a:tblGrid>
+                <a:gridCol w="1877389">
+                  <a:extLst>
+                    <a:ext uri="{9D8B030D-6E8A-4147-A177-3AD203B41FA5}">
+                      <a16:colId xmlns:a16="http://schemas.microsoft.com/office/drawing/2014/main" val="1205066866"/>
+                    </a:ext>
+                  </a:extLst>
+                </a:gridCol>
+                <a:gridCol w="4876800">
+                  <a:extLst>
+                    <a:ext uri="{9D8B030D-6E8A-4147-A177-3AD203B41FA5}">
+                      <a16:colId xmlns:a16="http://schemas.microsoft.com/office/drawing/2014/main" val="3273854402"/>
+                    </a:ext>
+                  </a:extLst>
+                </a:gridCol>
+                <a:gridCol w="3990975">
+                  <a:extLst>
+                    <a:ext uri="{9D8B030D-6E8A-4147-A177-3AD203B41FA5}">
+                      <a16:colId xmlns:a16="http://schemas.microsoft.com/office/drawing/2014/main" val="2188428995"/>
+                    </a:ext>
+                  </a:extLst>
+                </a:gridCol>
+              </a:tblGrid>
+              <a:tr h="329295">
+                <a:tc>
+                  <a:txBody>
+                    <a:bodyPr/>
+                    <a:lstStyle/>
+                    <a:p>
+                      <a:endParaRPr lang="zh-CN" altLang="en-US" sz="2400" b="1" dirty="0"/>
+                    </a:p>
+                  </a:txBody>
+                  <a:tcPr/>
+                </a:tc>
+                <a:tc>
+                  <a:txBody>
+                    <a:bodyPr/>
+                    <a:lstStyle/>
+                    <a:p>
+                      <a:r>
+                        <a:rPr lang="en-US" altLang="zh-CN" sz="2400" b="1" dirty="0"/>
+                        <a:t>Question-answer pair</a:t>
+                      </a:r>
+                      <a:endParaRPr lang="zh-CN" altLang="en-US" sz="2400" b="1" dirty="0"/>
+                    </a:p>
+                  </a:txBody>
+                  <a:tcPr/>
+                </a:tc>
+                <a:tc>
+                  <a:txBody>
+                    <a:bodyPr/>
+                    <a:lstStyle/>
+                    <a:p>
+                      <a:r>
+                        <a:rPr lang="en-US" altLang="zh-CN" sz="2400" b="1" dirty="0"/>
+                        <a:t>Single sentence</a:t>
+                      </a:r>
+                      <a:endParaRPr lang="zh-CN" altLang="en-US" sz="2400" b="1" dirty="0"/>
+                    </a:p>
+                  </a:txBody>
+                  <a:tcPr/>
+                </a:tc>
+                <a:extLst>
+                  <a:ext uri="{0D108BD9-81ED-4DB2-BD59-A6C34878D82A}">
+                    <a16:rowId xmlns:a16="http://schemas.microsoft.com/office/drawing/2014/main" val="3138497352"/>
+                  </a:ext>
+                </a:extLst>
+              </a:tr>
+              <a:tr h="329295">
+                <a:tc>
+                  <a:txBody>
+                    <a:bodyPr/>
+                    <a:lstStyle/>
+                    <a:p>
+                      <a:r>
+                        <a:rPr lang="en-US" altLang="zh-CN" sz="2400" b="1" dirty="0"/>
+                        <a:t>Declarative </a:t>
+                      </a:r>
+                      <a:endParaRPr lang="zh-CN" altLang="en-US" sz="2400" b="1" dirty="0"/>
+                    </a:p>
+                  </a:txBody>
+                  <a:tcPr/>
+                </a:tc>
+                <a:tc>
+                  <a:txBody>
+                    <a:bodyPr/>
+                    <a:lstStyle/>
+                    <a:p>
+                      <a:r>
+                        <a:rPr lang="en-US" altLang="zh-CN" sz="2400" b="1" dirty="0"/>
+                        <a:t>Obamacare is good. ___(Y/T/M/N/F)</a:t>
+                      </a:r>
+                      <a:endParaRPr lang="zh-CN" altLang="en-US" sz="2400" b="1" dirty="0"/>
+                    </a:p>
+                  </a:txBody>
+                  <a:tcPr/>
+                </a:tc>
+                <a:tc>
+                  <a:txBody>
+                    <a:bodyPr/>
+                    <a:lstStyle/>
+                    <a:p>
+                      <a:pPr/>
+                      <a:r>
+                        <a:rPr lang="en-US" altLang="zh-CN" sz="2400" b="1" dirty="0"/>
+                        <a:t>Obamacare is ___(good/bad).</a:t>
+                      </a:r>
+                      <a:endParaRPr lang="zh-CN" altLang="en-US" sz="2400" b="1" dirty="0"/>
+                    </a:p>
+                  </a:txBody>
+                  <a:tcPr/>
+                </a:tc>
+                <a:extLst>
+                  <a:ext uri="{0D108BD9-81ED-4DB2-BD59-A6C34878D82A}">
+                    <a16:rowId xmlns:a16="http://schemas.microsoft.com/office/drawing/2014/main" val="1706002770"/>
+                  </a:ext>
+                </a:extLst>
+              </a:tr>
+              <a:tr h="388577">
+                <a:tc>
+                  <a:txBody>
+                    <a:bodyPr/>
+                    <a:lstStyle/>
+                    <a:p>
+                      <a:r>
+                        <a:rPr lang="en-US" altLang="zh-CN" sz="2400" b="1" dirty="0"/>
+                        <a:t>Interrogative</a:t>
+                      </a:r>
+                      <a:endParaRPr lang="zh-CN" altLang="en-US" sz="2400" b="1" dirty="0"/>
+                    </a:p>
+                  </a:txBody>
+                  <a:tcPr/>
+                </a:tc>
+                <a:tc>
+                  <a:txBody>
+                    <a:bodyPr/>
+                    <a:lstStyle/>
+                    <a:p>
+                      <a:pPr marL="0" marR="0" lvl="0" indent="0" algn="l" defTabSz="914452" rtl="0" eaLnBrk="1" fontAlgn="auto" latinLnBrk="0" hangingPunct="1">
+                        <a:lnSpc>
+                          <a:spcPct val="100000"/>
+                        </a:lnSpc>
+                        <a:spcBef>
+                          <a:spcPts val="0"/>
+                        </a:spcBef>
+                        <a:spcAft>
+                          <a:spcPts val="0"/>
+                        </a:spcAft>
+                        <a:buClrTx/>
+                        <a:buSzTx/>
+                        <a:buFontTx/>
+                        <a:buNone/>
+                        <a:tabLst/>
+                        <a:defRPr/>
+                      </a:pPr>
+                      <a:r>
+                        <a:rPr lang="en-US" altLang="zh-CN" sz="2400" b="1" dirty="0"/>
+                        <a:t>Is Obamacare good? ___(Y/T/M/N/F)</a:t>
+                      </a:r>
+                      <a:endParaRPr lang="zh-CN" altLang="en-US" sz="2400" b="1" dirty="0"/>
+                    </a:p>
+                  </a:txBody>
+                  <a:tcPr/>
+                </a:tc>
+                <a:tc>
+                  <a:txBody>
+                    <a:bodyPr/>
+                    <a:lstStyle/>
+                    <a:p>
+                      <a:pPr marL="0" marR="0" lvl="0" indent="0" algn="l" defTabSz="914452" rtl="0" eaLnBrk="1" fontAlgn="auto" latinLnBrk="0" hangingPunct="1">
+                        <a:lnSpc>
+                          <a:spcPct val="100000"/>
+                        </a:lnSpc>
+                        <a:spcBef>
+                          <a:spcPts val="0"/>
+                        </a:spcBef>
+                        <a:spcAft>
+                          <a:spcPts val="0"/>
+                        </a:spcAft>
+                        <a:buClrTx/>
+                        <a:buSzTx/>
+                        <a:buFontTx/>
+                        <a:buNone/>
+                        <a:tabLst/>
+                        <a:defRPr/>
+                      </a:pPr>
+                      <a:r>
+                        <a:rPr lang="en-US" altLang="zh-CN" sz="2400" b="1" dirty="0"/>
+                        <a:t>Is Obamacare ___(good/bad)? </a:t>
+                      </a:r>
+                      <a:endParaRPr lang="zh-CN" altLang="en-US" sz="2400" b="1" dirty="0"/>
+                    </a:p>
+                  </a:txBody>
+                  <a:tcPr/>
+                </a:tc>
+                <a:extLst>
+                  <a:ext uri="{0D108BD9-81ED-4DB2-BD59-A6C34878D82A}">
+                    <a16:rowId xmlns:a16="http://schemas.microsoft.com/office/drawing/2014/main" val="3662247"/>
+                  </a:ext>
+                </a:extLst>
+              </a:tr>
+              <a:tr h="449656">
+                <a:tc>
+                  <a:txBody>
+                    <a:bodyPr/>
+                    <a:lstStyle/>
+                    <a:p>
+                      <a:r>
+                        <a:rPr lang="en-US" altLang="zh-CN" sz="2400" b="1" dirty="0"/>
+                        <a:t>Association</a:t>
+                      </a:r>
+                      <a:endParaRPr lang="zh-CN" altLang="en-US" sz="2400" b="1" dirty="0"/>
+                    </a:p>
+                  </a:txBody>
+                  <a:tcPr/>
+                </a:tc>
+                <a:tc>
+                  <a:txBody>
+                    <a:bodyPr/>
+                    <a:lstStyle/>
+                    <a:p>
+                      <a:pPr marL="0" marR="0" lvl="0" indent="0" algn="l" defTabSz="914452" rtl="0" eaLnBrk="1" fontAlgn="auto" latinLnBrk="0" hangingPunct="1">
+                        <a:lnSpc>
+                          <a:spcPct val="100000"/>
+                        </a:lnSpc>
+                        <a:spcBef>
+                          <a:spcPts val="0"/>
+                        </a:spcBef>
+                        <a:spcAft>
+                          <a:spcPts val="0"/>
+                        </a:spcAft>
+                        <a:buClrTx/>
+                        <a:buSzTx/>
+                        <a:buFontTx/>
+                        <a:buNone/>
+                        <a:tabLst/>
+                        <a:defRPr/>
+                      </a:pPr>
+                      <a:r>
+                        <a:rPr lang="en-US" altLang="zh-CN" sz="2400" b="1" dirty="0"/>
+                        <a:t>Obamacare good. ___(Y/T/M/N/F)</a:t>
+                      </a:r>
+                      <a:endParaRPr lang="zh-CN" altLang="en-US" sz="2400" b="1" dirty="0"/>
+                    </a:p>
+                  </a:txBody>
+                  <a:tcPr/>
+                </a:tc>
+                <a:tc>
+                  <a:txBody>
+                    <a:bodyPr/>
+                    <a:lstStyle/>
+                    <a:p>
+                      <a:pPr marL="0" marR="0" lvl="0" indent="0" algn="l" defTabSz="914452" rtl="0" eaLnBrk="1" fontAlgn="auto" latinLnBrk="0" hangingPunct="1">
+                        <a:lnSpc>
+                          <a:spcPct val="100000"/>
+                        </a:lnSpc>
+                        <a:spcBef>
+                          <a:spcPts val="0"/>
+                        </a:spcBef>
+                        <a:spcAft>
+                          <a:spcPts val="0"/>
+                        </a:spcAft>
+                        <a:buClrTx/>
+                        <a:buSzTx/>
+                        <a:buFontTx/>
+                        <a:buNone/>
+                        <a:tabLst/>
+                        <a:defRPr/>
+                      </a:pPr>
+                      <a:r>
+                        <a:rPr lang="en-US" altLang="zh-CN" sz="2400" b="1" dirty="0"/>
+                        <a:t>Obamacare ___(good/bad).</a:t>
+                      </a:r>
+                      <a:endParaRPr lang="zh-CN" altLang="en-US" sz="2400" b="1" dirty="0"/>
+                    </a:p>
+                  </a:txBody>
+                  <a:tcPr/>
+                </a:tc>
+                <a:extLst>
+                  <a:ext uri="{0D108BD9-81ED-4DB2-BD59-A6C34878D82A}">
+                    <a16:rowId xmlns:a16="http://schemas.microsoft.com/office/drawing/2014/main" val="624892574"/>
+                  </a:ext>
+                </a:extLst>
+              </a:tr>
+            </a:tbl>
+          </a:graphicData>
+        </a:graphic>
+      </p:graphicFrame>
+    </p:spTree>
+    <p:extLst>
+      <p:ext uri="{BB962C8B-B14F-4D97-AF65-F5344CB8AC3E}">
+        <p14:creationId xmlns:p14="http://schemas.microsoft.com/office/powerpoint/2010/main" val="3322444618"/>
+      </p:ext>
+    </p:extLst>
+  </p:cSld>
+  <p:clrMapOvr>
+    <a:masterClrMapping/>
+  </p:clrMapOvr>
+</p:sld>
+</file>
+
+<file path=ppt/slides/slide5.xml><?xml version="1.0" encoding="utf-8"?>
+<p:sld xmlns:a="http://schemas.openxmlformats.org/drawingml/2006/main" xmlns:r="http://schemas.openxmlformats.org/officeDocument/2006/relationships" xmlns:p="http://schemas.openxmlformats.org/presentationml/2006/main">
+  <p:cSld>
+    <p:spTree>
+      <p:nvGrpSpPr>
+        <p:cNvPr id="1" name=""/>
+        <p:cNvGrpSpPr/>
+        <p:nvPr/>
+      </p:nvGrpSpPr>
+      <p:grpSpPr>
+        <a:xfrm>
+          <a:off x="0" y="0"/>
+          <a:ext cx="0" cy="0"/>
+          <a:chOff x="0" y="0"/>
+          <a:chExt cx="0" cy="0"/>
+        </a:xfrm>
+      </p:grpSpPr>
+      <p:graphicFrame>
+        <p:nvGraphicFramePr>
+          <p:cNvPr id="4" name="表格 4">
+            <a:extLst>
+              <a:ext uri="{FF2B5EF4-FFF2-40B4-BE49-F238E27FC236}">
+                <a16:creationId xmlns:a16="http://schemas.microsoft.com/office/drawing/2014/main" id="{3403A576-58F8-9632-AF53-1402710DD2E0}"/>
+              </a:ext>
+            </a:extLst>
+          </p:cNvPr>
+          <p:cNvGraphicFramePr>
+            <a:graphicFrameLocks noGrp="1"/>
+          </p:cNvGraphicFramePr>
+          <p:nvPr>
+            <p:extLst>
+              <p:ext uri="{D42A27DB-BD31-4B8C-83A1-F6EECF244321}">
+                <p14:modId xmlns:p14="http://schemas.microsoft.com/office/powerpoint/2010/main" val="2296400514"/>
+              </p:ext>
+            </p:extLst>
+          </p:nvPr>
+        </p:nvGraphicFramePr>
+        <p:xfrm>
+          <a:off x="2006808" y="1934183"/>
+          <a:ext cx="11199053" cy="3200400"/>
+        </p:xfrm>
+        <a:graphic>
+          <a:graphicData uri="http://schemas.openxmlformats.org/drawingml/2006/table">
+            <a:tbl>
+              <a:tblPr firstRow="1" bandRow="1">
+                <a:tableStyleId>{5C22544A-7EE6-4342-B048-85BDC9FD1C3A}</a:tableStyleId>
+              </a:tblPr>
+              <a:tblGrid>
+                <a:gridCol w="1929925">
+                  <a:extLst>
+                    <a:ext uri="{9D8B030D-6E8A-4147-A177-3AD203B41FA5}">
+                      <a16:colId xmlns:a16="http://schemas.microsoft.com/office/drawing/2014/main" val="1205066866"/>
+                    </a:ext>
+                  </a:extLst>
+                </a:gridCol>
+                <a:gridCol w="1280160">
+                  <a:extLst>
+                    <a:ext uri="{9D8B030D-6E8A-4147-A177-3AD203B41FA5}">
+                      <a16:colId xmlns:a16="http://schemas.microsoft.com/office/drawing/2014/main" val="720950529"/>
+                    </a:ext>
+                  </a:extLst>
+                </a:gridCol>
+                <a:gridCol w="3927107">
+                  <a:extLst>
+                    <a:ext uri="{9D8B030D-6E8A-4147-A177-3AD203B41FA5}">
+                      <a16:colId xmlns:a16="http://schemas.microsoft.com/office/drawing/2014/main" val="3273854402"/>
+                    </a:ext>
+                  </a:extLst>
+                </a:gridCol>
+                <a:gridCol w="4061861">
+                  <a:extLst>
+                    <a:ext uri="{9D8B030D-6E8A-4147-A177-3AD203B41FA5}">
+                      <a16:colId xmlns:a16="http://schemas.microsoft.com/office/drawing/2014/main" val="2188428995"/>
+                    </a:ext>
+                  </a:extLst>
+                </a:gridCol>
+              </a:tblGrid>
+              <a:tr h="370840">
+                <a:tc>
+                  <a:txBody>
+                    <a:bodyPr/>
+                    <a:lstStyle/>
+                    <a:p>
+                      <a:endParaRPr lang="zh-CN" altLang="en-US" sz="2400" b="1" dirty="0"/>
+                    </a:p>
+                  </a:txBody>
+                  <a:tcPr/>
+                </a:tc>
+                <a:tc>
+                  <a:txBody>
+                    <a:bodyPr/>
+                    <a:lstStyle/>
+                    <a:p>
+                      <a:endParaRPr lang="zh-CN" altLang="en-US" sz="2400" b="1" dirty="0"/>
+                    </a:p>
+                  </a:txBody>
+                  <a:tcPr/>
+                </a:tc>
+                <a:tc>
+                  <a:txBody>
+                    <a:bodyPr/>
+                    <a:lstStyle/>
+                    <a:p>
+                      <a:r>
+                        <a:rPr lang="en-US" altLang="zh-CN" sz="2400" b="1" dirty="0"/>
+                        <a:t>Question-answer pair</a:t>
+                      </a:r>
+                      <a:endParaRPr lang="zh-CN" altLang="en-US" sz="2400" b="1" dirty="0"/>
+                    </a:p>
+                  </a:txBody>
+                  <a:tcPr/>
+                </a:tc>
+                <a:tc>
+                  <a:txBody>
+                    <a:bodyPr/>
+                    <a:lstStyle/>
+                    <a:p>
+                      <a:r>
+                        <a:rPr lang="en-US" altLang="zh-CN" sz="2400" b="1" dirty="0"/>
+                        <a:t>Single sentence</a:t>
+                      </a:r>
+                      <a:endParaRPr lang="zh-CN" altLang="en-US" sz="2400" b="1" dirty="0"/>
+                    </a:p>
+                  </a:txBody>
+                  <a:tcPr/>
+                </a:tc>
+                <a:extLst>
+                  <a:ext uri="{0D108BD9-81ED-4DB2-BD59-A6C34878D82A}">
+                    <a16:rowId xmlns:a16="http://schemas.microsoft.com/office/drawing/2014/main" val="3138497352"/>
+                  </a:ext>
+                </a:extLst>
+              </a:tr>
+              <a:tr h="370840">
+                <a:tc rowSpan="2">
+                  <a:txBody>
+                    <a:bodyPr/>
+                    <a:lstStyle/>
+                    <a:p>
+                      <a:r>
+                        <a:rPr lang="en-US" altLang="zh-CN" sz="2400" b="1" dirty="0"/>
+                        <a:t>Declarative </a:t>
+                      </a:r>
+                      <a:endParaRPr lang="zh-CN" altLang="en-US" sz="2400" b="1" dirty="0"/>
+                    </a:p>
+                  </a:txBody>
+                  <a:tcPr/>
+                </a:tc>
+                <a:tc>
+                  <a:txBody>
+                    <a:bodyPr/>
+                    <a:lstStyle/>
+                    <a:p>
+                      <a:pPr marL="0" marR="0" lvl="0" indent="0" algn="l" defTabSz="914452" rtl="0" eaLnBrk="1" fontAlgn="auto" latinLnBrk="0" hangingPunct="1">
+                        <a:lnSpc>
+                          <a:spcPct val="100000"/>
+                        </a:lnSpc>
+                        <a:spcBef>
+                          <a:spcPts val="0"/>
+                        </a:spcBef>
+                        <a:spcAft>
+                          <a:spcPts val="0"/>
+                        </a:spcAft>
+                        <a:buClrTx/>
+                        <a:buSzTx/>
+                        <a:buFontTx/>
+                        <a:buNone/>
+                        <a:tabLst/>
+                        <a:defRPr/>
+                      </a:pPr>
+                      <a:r>
+                        <a:rPr lang="en-US" altLang="zh-CN" sz="2400" b="1" dirty="0"/>
+                        <a:t>Pattern</a:t>
+                      </a:r>
+                      <a:endParaRPr lang="zh-CN" altLang="en-US" sz="2400" b="1" dirty="0"/>
+                    </a:p>
+                  </a:txBody>
+                  <a:tcPr/>
+                </a:tc>
+                <a:tc>
+                  <a:txBody>
+                    <a:bodyPr/>
+                    <a:lstStyle/>
+                    <a:p>
+                      <a:pPr marL="0" marR="0" lvl="0" indent="0" algn="l" defTabSz="914452" rtl="0" eaLnBrk="1" fontAlgn="auto" latinLnBrk="0" hangingPunct="1">
+                        <a:lnSpc>
+                          <a:spcPct val="100000"/>
+                        </a:lnSpc>
+                        <a:spcBef>
+                          <a:spcPts val="0"/>
+                        </a:spcBef>
+                        <a:spcAft>
+                          <a:spcPts val="0"/>
+                        </a:spcAft>
+                        <a:buClrTx/>
+                        <a:buSzTx/>
+                        <a:buFontTx/>
+                        <a:buNone/>
+                        <a:tabLst/>
+                        <a:defRPr/>
+                      </a:pPr>
+                      <a:r>
+                        <a:rPr lang="en-US" altLang="zh-CN" sz="2400" b="1" dirty="0"/>
+                        <a:t>Topic is Adj / Noun. ___</a:t>
+                      </a:r>
+                      <a:endParaRPr lang="zh-CN" altLang="en-US" sz="2400" b="1" dirty="0"/>
+                    </a:p>
+                  </a:txBody>
+                  <a:tcPr/>
+                </a:tc>
+                <a:tc>
+                  <a:txBody>
+                    <a:bodyPr/>
+                    <a:lstStyle/>
+                    <a:p>
+                      <a:pPr marL="0" marR="0" lvl="0" indent="0" algn="l" defTabSz="914452" rtl="0" eaLnBrk="1" fontAlgn="auto" latinLnBrk="0" hangingPunct="1">
+                        <a:lnSpc>
+                          <a:spcPct val="100000"/>
+                        </a:lnSpc>
+                        <a:spcBef>
+                          <a:spcPts val="0"/>
+                        </a:spcBef>
+                        <a:spcAft>
+                          <a:spcPts val="0"/>
+                        </a:spcAft>
+                        <a:buClrTx/>
+                        <a:buSzTx/>
+                        <a:buFontTx/>
+                        <a:buNone/>
+                        <a:tabLst/>
+                        <a:defRPr/>
+                      </a:pPr>
+                      <a:r>
+                        <a:rPr lang="en-US" altLang="zh-CN" sz="2400" b="1" dirty="0"/>
+                        <a:t>Topic is ___.</a:t>
+                      </a:r>
+                      <a:endParaRPr lang="zh-CN" altLang="en-US" sz="2400" b="1" dirty="0"/>
+                    </a:p>
+                  </a:txBody>
+                  <a:tcPr/>
+                </a:tc>
+                <a:extLst>
+                  <a:ext uri="{0D108BD9-81ED-4DB2-BD59-A6C34878D82A}">
+                    <a16:rowId xmlns:a16="http://schemas.microsoft.com/office/drawing/2014/main" val="1706002770"/>
+                  </a:ext>
+                </a:extLst>
+              </a:tr>
+              <a:tr h="370840">
+                <a:tc vMerge="1">
+                  <a:txBody>
+                    <a:bodyPr/>
+                    <a:lstStyle/>
+                    <a:p>
+                      <a:r>
+                        <a:rPr lang="en-US" altLang="zh-CN" sz="2400" b="1" dirty="0"/>
+                        <a:t>Declarative </a:t>
+                      </a:r>
+                      <a:endParaRPr lang="zh-CN" altLang="en-US" sz="2400" b="1" dirty="0"/>
+                    </a:p>
+                  </a:txBody>
+                  <a:tcPr/>
+                </a:tc>
+                <a:tc>
+                  <a:txBody>
+                    <a:bodyPr/>
+                    <a:lstStyle/>
+                    <a:p>
+                      <a:r>
+                        <a:rPr lang="en-US" altLang="zh-CN" sz="2400" b="1" dirty="0"/>
+                        <a:t>Example</a:t>
+                      </a:r>
+                      <a:endParaRPr lang="zh-CN" altLang="en-US" sz="2400" b="1" dirty="0"/>
+                    </a:p>
+                  </a:txBody>
+                  <a:tcPr/>
+                </a:tc>
+                <a:tc>
+                  <a:txBody>
+                    <a:bodyPr/>
+                    <a:lstStyle/>
+                    <a:p>
+                      <a:r>
+                        <a:rPr lang="en-US" altLang="zh-CN" sz="2400" b="1" dirty="0"/>
+                        <a:t>Obamacare is good. ___(Y/N)</a:t>
+                      </a:r>
+                      <a:endParaRPr lang="zh-CN" altLang="en-US" sz="2400" b="1" dirty="0"/>
+                    </a:p>
+                  </a:txBody>
+                  <a:tcPr/>
+                </a:tc>
+                <a:tc>
+                  <a:txBody>
+                    <a:bodyPr/>
+                    <a:lstStyle/>
+                    <a:p>
+                      <a:r>
+                        <a:rPr lang="en-US" altLang="zh-CN" sz="2400" b="1" dirty="0"/>
+                        <a:t>Obamacare is ___(good/bad).</a:t>
+                      </a:r>
+                      <a:endParaRPr lang="zh-CN" altLang="en-US" sz="2400" b="1" dirty="0"/>
+                    </a:p>
+                  </a:txBody>
+                  <a:tcPr/>
+                </a:tc>
+                <a:extLst>
+                  <a:ext uri="{0D108BD9-81ED-4DB2-BD59-A6C34878D82A}">
+                    <a16:rowId xmlns:a16="http://schemas.microsoft.com/office/drawing/2014/main" val="1899415006"/>
+                  </a:ext>
+                </a:extLst>
+              </a:tr>
+              <a:tr h="370840">
+                <a:tc rowSpan="2">
+                  <a:txBody>
+                    <a:bodyPr/>
+                    <a:lstStyle/>
+                    <a:p>
+                      <a:r>
+                        <a:rPr lang="en-US" altLang="zh-CN" sz="2400" b="1" dirty="0"/>
+                        <a:t>Interrogative</a:t>
+                      </a:r>
+                      <a:endParaRPr lang="zh-CN" altLang="en-US" sz="2400" b="1" dirty="0"/>
+                    </a:p>
+                  </a:txBody>
+                  <a:tcPr/>
+                </a:tc>
+                <a:tc>
+                  <a:txBody>
+                    <a:bodyPr/>
+                    <a:lstStyle/>
+                    <a:p>
+                      <a:pPr marL="0" marR="0" lvl="0" indent="0" algn="l" defTabSz="914452" rtl="0" eaLnBrk="1" fontAlgn="auto" latinLnBrk="0" hangingPunct="1">
+                        <a:lnSpc>
+                          <a:spcPct val="100000"/>
+                        </a:lnSpc>
+                        <a:spcBef>
+                          <a:spcPts val="0"/>
+                        </a:spcBef>
+                        <a:spcAft>
+                          <a:spcPts val="0"/>
+                        </a:spcAft>
+                        <a:buClrTx/>
+                        <a:buSzTx/>
+                        <a:buFontTx/>
+                        <a:buNone/>
+                        <a:tabLst/>
+                        <a:defRPr/>
+                      </a:pPr>
+                      <a:r>
+                        <a:rPr lang="en-US" altLang="zh-CN" sz="2400" b="1" dirty="0"/>
+                        <a:t>Pattern</a:t>
+                      </a:r>
+                      <a:endParaRPr lang="zh-CN" altLang="en-US" sz="2400" b="1" dirty="0"/>
+                    </a:p>
+                  </a:txBody>
+                  <a:tcPr/>
+                </a:tc>
+                <a:tc>
+                  <a:txBody>
+                    <a:bodyPr/>
+                    <a:lstStyle/>
+                    <a:p>
+                      <a:pPr marL="0" marR="0" lvl="0" indent="0" algn="l" defTabSz="914452" rtl="0" eaLnBrk="1" fontAlgn="auto" latinLnBrk="0" hangingPunct="1">
+                        <a:lnSpc>
+                          <a:spcPct val="100000"/>
+                        </a:lnSpc>
+                        <a:spcBef>
+                          <a:spcPts val="0"/>
+                        </a:spcBef>
+                        <a:spcAft>
+                          <a:spcPts val="0"/>
+                        </a:spcAft>
+                        <a:buClrTx/>
+                        <a:buSzTx/>
+                        <a:buFontTx/>
+                        <a:buNone/>
+                        <a:tabLst/>
+                        <a:defRPr/>
+                      </a:pPr>
+                      <a:r>
+                        <a:rPr lang="en-US" altLang="zh-CN" sz="2400" b="1" dirty="0"/>
+                        <a:t>Is Topic Adj / Noun? ___</a:t>
+                      </a:r>
+                      <a:endParaRPr lang="zh-CN" altLang="en-US" sz="2400" b="1" dirty="0"/>
+                    </a:p>
+                  </a:txBody>
+                  <a:tcPr/>
+                </a:tc>
+                <a:tc>
+                  <a:txBody>
+                    <a:bodyPr/>
+                    <a:lstStyle/>
+                    <a:p>
+                      <a:pPr marL="0" marR="0" lvl="0" indent="0" algn="l" defTabSz="914452" rtl="0" eaLnBrk="1" fontAlgn="auto" latinLnBrk="0" hangingPunct="1">
+                        <a:lnSpc>
+                          <a:spcPct val="100000"/>
+                        </a:lnSpc>
+                        <a:spcBef>
+                          <a:spcPts val="0"/>
+                        </a:spcBef>
+                        <a:spcAft>
+                          <a:spcPts val="0"/>
+                        </a:spcAft>
+                        <a:buClrTx/>
+                        <a:buSzTx/>
+                        <a:buFontTx/>
+                        <a:buNone/>
+                        <a:tabLst/>
+                        <a:defRPr/>
+                      </a:pPr>
+                      <a:r>
+                        <a:rPr lang="en-US" altLang="zh-CN" sz="2400" b="1" dirty="0"/>
+                        <a:t>Is Topic ___.</a:t>
+                      </a:r>
+                      <a:endParaRPr lang="zh-CN" altLang="en-US" sz="2400" b="1" dirty="0"/>
+                    </a:p>
+                  </a:txBody>
+                  <a:tcPr/>
+                </a:tc>
+                <a:extLst>
+                  <a:ext uri="{0D108BD9-81ED-4DB2-BD59-A6C34878D82A}">
+                    <a16:rowId xmlns:a16="http://schemas.microsoft.com/office/drawing/2014/main" val="3662247"/>
+                  </a:ext>
+                </a:extLst>
+              </a:tr>
+              <a:tr h="370840">
+                <a:tc vMerge="1">
+                  <a:txBody>
+                    <a:bodyPr/>
+                    <a:lstStyle/>
+                    <a:p>
+                      <a:r>
+                        <a:rPr lang="en-US" altLang="zh-CN" sz="2400" b="1" dirty="0"/>
+                        <a:t>Interrogative</a:t>
+                      </a:r>
+                      <a:endParaRPr lang="zh-CN" altLang="en-US" sz="2400" b="1" dirty="0"/>
+                    </a:p>
+                  </a:txBody>
+                  <a:tcPr/>
+                </a:tc>
+                <a:tc>
+                  <a:txBody>
+                    <a:bodyPr/>
+                    <a:lstStyle/>
+                    <a:p>
+                      <a:r>
+                        <a:rPr lang="en-US" altLang="zh-CN" sz="2400" b="1" dirty="0"/>
+                        <a:t>Example</a:t>
+                      </a:r>
+                      <a:endParaRPr lang="zh-CN" altLang="en-US" sz="2400" b="1" dirty="0"/>
+                    </a:p>
+                  </a:txBody>
+                  <a:tcPr/>
+                </a:tc>
+                <a:tc>
+                  <a:txBody>
+                    <a:bodyPr/>
+                    <a:lstStyle/>
+                    <a:p>
+                      <a:pPr marL="0" marR="0" lvl="0" indent="0" algn="l" defTabSz="914452" rtl="0" eaLnBrk="1" fontAlgn="auto" latinLnBrk="0" hangingPunct="1">
+                        <a:lnSpc>
+                          <a:spcPct val="100000"/>
+                        </a:lnSpc>
+                        <a:spcBef>
+                          <a:spcPts val="0"/>
+                        </a:spcBef>
+                        <a:spcAft>
+                          <a:spcPts val="0"/>
+                        </a:spcAft>
+                        <a:buClrTx/>
+                        <a:buSzTx/>
+                        <a:buFontTx/>
+                        <a:buNone/>
+                        <a:tabLst/>
+                        <a:defRPr/>
+                      </a:pPr>
+                      <a:r>
+                        <a:rPr lang="en-US" altLang="zh-CN" sz="2400" b="1" dirty="0"/>
+                        <a:t>Is Obamacare good? ___(Y/N)</a:t>
+                      </a:r>
+                      <a:endParaRPr lang="zh-CN" altLang="en-US" sz="2400" b="1" dirty="0"/>
+                    </a:p>
+                  </a:txBody>
+                  <a:tcPr/>
+                </a:tc>
+                <a:tc>
+                  <a:txBody>
+                    <a:bodyPr/>
+                    <a:lstStyle/>
+                    <a:p>
+                      <a:pPr marL="0" marR="0" lvl="0" indent="0" algn="l" defTabSz="914452" rtl="0" eaLnBrk="1" fontAlgn="auto" latinLnBrk="0" hangingPunct="1">
+                        <a:lnSpc>
+                          <a:spcPct val="100000"/>
+                        </a:lnSpc>
+                        <a:spcBef>
+                          <a:spcPts val="0"/>
+                        </a:spcBef>
+                        <a:spcAft>
+                          <a:spcPts val="0"/>
+                        </a:spcAft>
+                        <a:buClrTx/>
+                        <a:buSzTx/>
+                        <a:buFontTx/>
+                        <a:buNone/>
+                        <a:tabLst/>
+                        <a:defRPr/>
+                      </a:pPr>
+                      <a:r>
+                        <a:rPr lang="en-US" altLang="zh-CN" sz="2400" b="1" dirty="0"/>
+                        <a:t>Is Obamacare ___(good/bad)? </a:t>
+                      </a:r>
+                      <a:endParaRPr lang="zh-CN" altLang="en-US" sz="2400" b="1" dirty="0"/>
+                    </a:p>
+                  </a:txBody>
+                  <a:tcPr/>
+                </a:tc>
+                <a:extLst>
+                  <a:ext uri="{0D108BD9-81ED-4DB2-BD59-A6C34878D82A}">
+                    <a16:rowId xmlns:a16="http://schemas.microsoft.com/office/drawing/2014/main" val="814102134"/>
+                  </a:ext>
+                </a:extLst>
+              </a:tr>
+              <a:tr h="370840">
+                <a:tc rowSpan="2">
+                  <a:txBody>
+                    <a:bodyPr/>
+                    <a:lstStyle/>
+                    <a:p>
+                      <a:r>
+                        <a:rPr lang="en-US" altLang="zh-CN" sz="2400" b="1" dirty="0"/>
+                        <a:t>Association</a:t>
+                      </a:r>
+                      <a:endParaRPr lang="zh-CN" altLang="en-US" sz="2400" b="1" dirty="0"/>
+                    </a:p>
+                  </a:txBody>
+                  <a:tcPr/>
+                </a:tc>
+                <a:tc>
+                  <a:txBody>
+                    <a:bodyPr/>
+                    <a:lstStyle/>
+                    <a:p>
+                      <a:pPr marL="0" marR="0" lvl="0" indent="0" algn="l" defTabSz="914452" rtl="0" eaLnBrk="1" fontAlgn="auto" latinLnBrk="0" hangingPunct="1">
+                        <a:lnSpc>
+                          <a:spcPct val="100000"/>
+                        </a:lnSpc>
+                        <a:spcBef>
+                          <a:spcPts val="0"/>
+                        </a:spcBef>
+                        <a:spcAft>
+                          <a:spcPts val="0"/>
+                        </a:spcAft>
+                        <a:buClrTx/>
+                        <a:buSzTx/>
+                        <a:buFontTx/>
+                        <a:buNone/>
+                        <a:tabLst/>
+                        <a:defRPr/>
+                      </a:pPr>
+                      <a:r>
+                        <a:rPr lang="en-US" altLang="zh-CN" sz="2400" b="1" dirty="0"/>
+                        <a:t>Pattern</a:t>
+                      </a:r>
+                      <a:endParaRPr lang="zh-CN" altLang="en-US" sz="2400" b="1" dirty="0"/>
+                    </a:p>
+                  </a:txBody>
+                  <a:tcPr/>
+                </a:tc>
+                <a:tc>
+                  <a:txBody>
+                    <a:bodyPr/>
+                    <a:lstStyle/>
+                    <a:p>
+                      <a:pPr marL="0" marR="0" lvl="0" indent="0" algn="l" defTabSz="914452" rtl="0" eaLnBrk="1" fontAlgn="auto" latinLnBrk="0" hangingPunct="1">
+                        <a:lnSpc>
+                          <a:spcPct val="100000"/>
+                        </a:lnSpc>
+                        <a:spcBef>
+                          <a:spcPts val="0"/>
+                        </a:spcBef>
+                        <a:spcAft>
+                          <a:spcPts val="0"/>
+                        </a:spcAft>
+                        <a:buClrTx/>
+                        <a:buSzTx/>
+                        <a:buFontTx/>
+                        <a:buNone/>
+                        <a:tabLst/>
+                        <a:defRPr/>
+                      </a:pPr>
+                      <a:r>
+                        <a:rPr lang="en-US" altLang="zh-CN" sz="2400" b="1" dirty="0"/>
+                        <a:t>Topic Adj / Noun. ___</a:t>
+                      </a:r>
+                      <a:endParaRPr lang="zh-CN" altLang="en-US" sz="2400" b="1" dirty="0"/>
+                    </a:p>
+                  </a:txBody>
+                  <a:tcPr/>
+                </a:tc>
+                <a:tc>
+                  <a:txBody>
+                    <a:bodyPr/>
+                    <a:lstStyle/>
+                    <a:p>
+                      <a:pPr marL="0" marR="0" lvl="0" indent="0" algn="l" defTabSz="914452" rtl="0" eaLnBrk="1" fontAlgn="auto" latinLnBrk="0" hangingPunct="1">
+                        <a:lnSpc>
+                          <a:spcPct val="100000"/>
+                        </a:lnSpc>
+                        <a:spcBef>
+                          <a:spcPts val="0"/>
+                        </a:spcBef>
+                        <a:spcAft>
+                          <a:spcPts val="0"/>
+                        </a:spcAft>
+                        <a:buClrTx/>
+                        <a:buSzTx/>
+                        <a:buFontTx/>
+                        <a:buNone/>
+                        <a:tabLst/>
+                        <a:defRPr/>
+                      </a:pPr>
+                      <a:r>
+                        <a:rPr lang="en-US" altLang="zh-CN" sz="2400" b="1" dirty="0"/>
+                        <a:t>Topic ___.</a:t>
+                      </a:r>
+                      <a:endParaRPr lang="zh-CN" altLang="en-US" sz="2400" b="1" dirty="0"/>
+                    </a:p>
+                  </a:txBody>
+                  <a:tcPr/>
+                </a:tc>
+                <a:extLst>
+                  <a:ext uri="{0D108BD9-81ED-4DB2-BD59-A6C34878D82A}">
+                    <a16:rowId xmlns:a16="http://schemas.microsoft.com/office/drawing/2014/main" val="624892574"/>
+                  </a:ext>
+                </a:extLst>
+              </a:tr>
+              <a:tr h="370840">
+                <a:tc vMerge="1">
+                  <a:txBody>
+                    <a:bodyPr/>
+                    <a:lstStyle/>
+                    <a:p>
+                      <a:r>
+                        <a:rPr lang="en-US" altLang="zh-CN" sz="2400" b="1" dirty="0"/>
+                        <a:t>Association</a:t>
+                      </a:r>
+                      <a:endParaRPr lang="zh-CN" altLang="en-US" sz="2400" b="1" dirty="0"/>
+                    </a:p>
+                  </a:txBody>
+                  <a:tcPr/>
+                </a:tc>
+                <a:tc>
+                  <a:txBody>
+                    <a:bodyPr/>
+                    <a:lstStyle/>
+                    <a:p>
+                      <a:r>
+                        <a:rPr lang="en-US" altLang="zh-CN" sz="2400" b="1" dirty="0"/>
+                        <a:t>Example</a:t>
+                      </a:r>
+                      <a:endParaRPr lang="zh-CN" altLang="en-US" sz="2400" b="1" dirty="0"/>
+                    </a:p>
+                  </a:txBody>
+                  <a:tcPr/>
+                </a:tc>
+                <a:tc>
+                  <a:txBody>
+                    <a:bodyPr/>
+                    <a:lstStyle/>
+                    <a:p>
+                      <a:pPr marL="0" marR="0" lvl="0" indent="0" algn="l" defTabSz="914452" rtl="0" eaLnBrk="1" fontAlgn="auto" latinLnBrk="0" hangingPunct="1">
+                        <a:lnSpc>
+                          <a:spcPct val="100000"/>
+                        </a:lnSpc>
+                        <a:spcBef>
+                          <a:spcPts val="0"/>
+                        </a:spcBef>
+                        <a:spcAft>
+                          <a:spcPts val="0"/>
+                        </a:spcAft>
+                        <a:buClrTx/>
+                        <a:buSzTx/>
+                        <a:buFontTx/>
+                        <a:buNone/>
+                        <a:tabLst/>
+                        <a:defRPr/>
+                      </a:pPr>
+                      <a:r>
+                        <a:rPr lang="en-US" altLang="zh-CN" sz="2400" b="1" dirty="0"/>
+                        <a:t>Obamacare good. ___(Y/N)</a:t>
+                      </a:r>
+                      <a:endParaRPr lang="zh-CN" altLang="en-US" sz="2400" b="1" dirty="0"/>
+                    </a:p>
+                  </a:txBody>
+                  <a:tcPr/>
+                </a:tc>
+                <a:tc>
+                  <a:txBody>
+                    <a:bodyPr/>
+                    <a:lstStyle/>
+                    <a:p>
+                      <a:pPr marL="0" marR="0" lvl="0" indent="0" algn="l" defTabSz="914452" rtl="0" eaLnBrk="1" fontAlgn="auto" latinLnBrk="0" hangingPunct="1">
+                        <a:lnSpc>
+                          <a:spcPct val="100000"/>
+                        </a:lnSpc>
+                        <a:spcBef>
+                          <a:spcPts val="0"/>
+                        </a:spcBef>
+                        <a:spcAft>
+                          <a:spcPts val="0"/>
+                        </a:spcAft>
+                        <a:buClrTx/>
+                        <a:buSzTx/>
+                        <a:buFontTx/>
+                        <a:buNone/>
+                        <a:tabLst/>
+                        <a:defRPr/>
+                      </a:pPr>
+                      <a:r>
+                        <a:rPr lang="en-US" altLang="zh-CN" sz="2400" b="1" dirty="0"/>
+                        <a:t>Obamacare ___(good/bad).</a:t>
+                      </a:r>
+                      <a:endParaRPr lang="zh-CN" altLang="en-US" sz="2400" b="1" dirty="0"/>
+                    </a:p>
+                  </a:txBody>
+                  <a:tcPr/>
+                </a:tc>
+                <a:extLst>
+                  <a:ext uri="{0D108BD9-81ED-4DB2-BD59-A6C34878D82A}">
+                    <a16:rowId xmlns:a16="http://schemas.microsoft.com/office/drawing/2014/main" val="3349303926"/>
+                  </a:ext>
+                </a:extLst>
+              </a:tr>
+            </a:tbl>
+          </a:graphicData>
+        </a:graphic>
+      </p:graphicFrame>
+    </p:spTree>
+    <p:extLst>
+      <p:ext uri="{BB962C8B-B14F-4D97-AF65-F5344CB8AC3E}">
+        <p14:creationId xmlns:p14="http://schemas.microsoft.com/office/powerpoint/2010/main" val="4260583696"/>
+      </p:ext>
+    </p:extLst>
+  </p:cSld>
+  <p:clrMapOvr>
+    <a:masterClrMapping/>
+  </p:clrMapOvr>
+</p:sld>
+</file>
+
 <file path=ppt/theme/theme1.xml><?xml version="1.0" encoding="utf-8"?>
 <a:theme xmlns:a="http://schemas.openxmlformats.org/drawingml/2006/main" name="Office 主题​​">
   <a:themeElements>
